--- a/Design_Doc_MyStudies.pptx
+++ b/Design_Doc_MyStudies.pptx
@@ -269,7 +269,7 @@
           <a:p>
             <a:fld id="{48A87A34-81AB-432B-8DAE-1953F412C126}" type="datetimeFigureOut">
               <a:rPr lang="en-US" smtClean="0"/>
-              <a:t>2/16/25</a:t>
+              <a:t>2/17/25</a:t>
             </a:fld>
             <a:endParaRPr lang="en-US" dirty="0"/>
           </a:p>
@@ -467,7 +467,7 @@
           <a:p>
             <a:fld id="{48A87A34-81AB-432B-8DAE-1953F412C126}" type="datetimeFigureOut">
               <a:rPr lang="en-US" smtClean="0"/>
-              <a:t>2/16/25</a:t>
+              <a:t>2/17/25</a:t>
             </a:fld>
             <a:endParaRPr lang="en-US" dirty="0"/>
           </a:p>
@@ -675,7 +675,7 @@
           <a:p>
             <a:fld id="{48A87A34-81AB-432B-8DAE-1953F412C126}" type="datetimeFigureOut">
               <a:rPr lang="en-US" smtClean="0"/>
-              <a:t>2/16/25</a:t>
+              <a:t>2/17/25</a:t>
             </a:fld>
             <a:endParaRPr lang="en-US" dirty="0"/>
           </a:p>
@@ -873,7 +873,7 @@
           <a:p>
             <a:fld id="{48A87A34-81AB-432B-8DAE-1953F412C126}" type="datetimeFigureOut">
               <a:rPr lang="en-US" smtClean="0"/>
-              <a:t>2/16/25</a:t>
+              <a:t>2/17/25</a:t>
             </a:fld>
             <a:endParaRPr lang="en-US" dirty="0"/>
           </a:p>
@@ -1148,7 +1148,7 @@
           <a:p>
             <a:fld id="{48A87A34-81AB-432B-8DAE-1953F412C126}" type="datetimeFigureOut">
               <a:rPr lang="en-US" smtClean="0"/>
-              <a:t>2/16/25</a:t>
+              <a:t>2/17/25</a:t>
             </a:fld>
             <a:endParaRPr lang="en-US" dirty="0"/>
           </a:p>
@@ -1413,7 +1413,7 @@
           <a:p>
             <a:fld id="{48A87A34-81AB-432B-8DAE-1953F412C126}" type="datetimeFigureOut">
               <a:rPr lang="en-US" smtClean="0"/>
-              <a:t>2/16/25</a:t>
+              <a:t>2/17/25</a:t>
             </a:fld>
             <a:endParaRPr lang="en-US" dirty="0"/>
           </a:p>
@@ -1826,7 +1826,7 @@
             <a:fld id="{48A87A34-81AB-432B-8DAE-1953F412C126}" type="datetimeFigureOut">
               <a:rPr lang="en-US" smtClean="0"/>
               <a:pPr/>
-              <a:t>2/16/25</a:t>
+              <a:t>2/17/25</a:t>
             </a:fld>
             <a:endParaRPr lang="en-US" dirty="0"/>
           </a:p>
@@ -1968,7 +1968,7 @@
           <a:p>
             <a:fld id="{48A87A34-81AB-432B-8DAE-1953F412C126}" type="datetimeFigureOut">
               <a:rPr lang="en-US" smtClean="0"/>
-              <a:t>2/16/25</a:t>
+              <a:t>2/17/25</a:t>
             </a:fld>
             <a:endParaRPr lang="en-US" dirty="0"/>
           </a:p>
@@ -2081,7 +2081,7 @@
           <a:p>
             <a:fld id="{48A87A34-81AB-432B-8DAE-1953F412C126}" type="datetimeFigureOut">
               <a:rPr lang="en-US" smtClean="0"/>
-              <a:t>2/16/25</a:t>
+              <a:t>2/17/25</a:t>
             </a:fld>
             <a:endParaRPr lang="en-US" dirty="0"/>
           </a:p>
@@ -2392,7 +2392,7 @@
           <a:p>
             <a:fld id="{48A87A34-81AB-432B-8DAE-1953F412C126}" type="datetimeFigureOut">
               <a:rPr lang="en-US" smtClean="0"/>
-              <a:t>2/16/25</a:t>
+              <a:t>2/17/25</a:t>
             </a:fld>
             <a:endParaRPr lang="en-US" dirty="0"/>
           </a:p>
@@ -2681,7 +2681,7 @@
             <a:fld id="{48A87A34-81AB-432B-8DAE-1953F412C126}" type="datetimeFigureOut">
               <a:rPr lang="en-US" smtClean="0"/>
               <a:pPr/>
-              <a:t>2/16/25</a:t>
+              <a:t>2/17/25</a:t>
             </a:fld>
             <a:endParaRPr lang="en-US" dirty="0"/>
           </a:p>
@@ -2923,7 +2923,7 @@
             <a:fld id="{48A87A34-81AB-432B-8DAE-1953F412C126}" type="datetimeFigureOut">
               <a:rPr lang="en-US" smtClean="0"/>
               <a:pPr/>
-              <a:t>2/16/25</a:t>
+              <a:t>2/17/25</a:t>
             </a:fld>
             <a:endParaRPr lang="en-US" dirty="0"/>
           </a:p>
@@ -3501,7 +3501,10 @@
           <a:bodyPr/>
           <a:lstStyle/>
           <a:p>
-            <a:endParaRPr lang="en-US" dirty="0"/>
+            <a:r>
+              <a:rPr lang="en-US" dirty="0"/>
+              <a:t>A student has to keep track of next week’s Data Structures exam, his sister’s birthday, and a networking event in 3 weeks. The student clicks on the bulletin tab at the top of the homepage. The user then clicks the plus button and through a modal creates a “sticky note”. The user does this for the other 2 events as well. The user can log in to the site and know what reminders they have set for themselves.</a:t>
+            </a:r>
           </a:p>
         </p:txBody>
       </p:sp>
@@ -3584,7 +3587,10 @@
           <a:bodyPr/>
           <a:lstStyle/>
           <a:p>
-            <a:endParaRPr lang="en-US"/>
+            <a:r>
+              <a:rPr lang="en-US" dirty="0"/>
+              <a:t>A student has just taken his history final exam and got an 85. He created a deck for review a week before the exam. The student is done for the year and decides he doesn’t need his materials for the class anymore. He logs in with his credentials and at the homepage finds the deck titled History Final. He then presses the x at the top right corner of the deck deleting the flashcard deck for that class.</a:t>
+            </a:r>
           </a:p>
         </p:txBody>
       </p:sp>
@@ -4114,7 +4120,12 @@
             <p:ph type="title"/>
           </p:nvPr>
         </p:nvSpPr>
-        <p:spPr/>
+        <p:spPr>
+          <a:xfrm>
+            <a:off x="830283" y="222622"/>
+            <a:ext cx="10515600" cy="1325563"/>
+          </a:xfrm>
+        </p:spPr>
         <p:txBody>
           <a:bodyPr/>
           <a:lstStyle/>
@@ -4126,31 +4137,364 @@
           </a:p>
         </p:txBody>
       </p:sp>
-      <p:sp>
-        <p:nvSpPr>
-          <p:cNvPr id="3" name="Content Placeholder 2">
-            <a:extLst>
-              <a:ext uri="{FF2B5EF4-FFF2-40B4-BE49-F238E27FC236}">
-                <a16:creationId xmlns:a16="http://schemas.microsoft.com/office/drawing/2014/main" id="{04955B6E-4A9C-163F-3965-76209935408D}"/>
-              </a:ext>
-            </a:extLst>
-          </p:cNvPr>
-          <p:cNvSpPr>
-            <a:spLocks noGrp="1"/>
-          </p:cNvSpPr>
+      <p:graphicFrame>
+        <p:nvGraphicFramePr>
+          <p:cNvPr id="4" name="Content Placeholder 3">
+            <a:extLst>
+              <a:ext uri="{FF2B5EF4-FFF2-40B4-BE49-F238E27FC236}">
+                <a16:creationId xmlns:a16="http://schemas.microsoft.com/office/drawing/2014/main" id="{9CAB6887-A04A-C6F3-6765-08D737D25064}"/>
+              </a:ext>
+            </a:extLst>
+          </p:cNvPr>
+          <p:cNvGraphicFramePr>
+            <a:graphicFrameLocks noGrp="1"/>
+          </p:cNvGraphicFramePr>
           <p:nvPr>
             <p:ph idx="1"/>
-          </p:nvPr>
-        </p:nvSpPr>
-        <p:spPr/>
-        <p:txBody>
-          <a:bodyPr/>
-          <a:lstStyle/>
-          <a:p>
-            <a:endParaRPr lang="en-US"/>
-          </a:p>
-        </p:txBody>
-      </p:sp>
+            <p:extLst>
+              <p:ext uri="{D42A27DB-BD31-4B8C-83A1-F6EECF244321}">
+                <p14:modId xmlns:p14="http://schemas.microsoft.com/office/powerpoint/2010/main" val="2606577698"/>
+              </p:ext>
+            </p:extLst>
+          </p:nvPr>
+        </p:nvGraphicFramePr>
+        <p:xfrm>
+          <a:off x="830283" y="1301378"/>
+          <a:ext cx="10515600" cy="5237480"/>
+        </p:xfrm>
+        <a:graphic>
+          <a:graphicData uri="http://schemas.openxmlformats.org/drawingml/2006/table">
+            <a:tbl>
+              <a:tblPr firstRow="1" bandRow="1">
+                <a:tableStyleId>{5C22544A-7EE6-4342-B048-85BDC9FD1C3A}</a:tableStyleId>
+              </a:tblPr>
+              <a:tblGrid>
+                <a:gridCol w="5257800">
+                  <a:extLst>
+                    <a:ext uri="{9D8B030D-6E8A-4147-A177-3AD203B41FA5}">
+                      <a16:colId xmlns:a16="http://schemas.microsoft.com/office/drawing/2014/main" val="603481934"/>
+                    </a:ext>
+                  </a:extLst>
+                </a:gridCol>
+                <a:gridCol w="5257800">
+                  <a:extLst>
+                    <a:ext uri="{9D8B030D-6E8A-4147-A177-3AD203B41FA5}">
+                      <a16:colId xmlns:a16="http://schemas.microsoft.com/office/drawing/2014/main" val="2258586250"/>
+                    </a:ext>
+                  </a:extLst>
+                </a:gridCol>
+              </a:tblGrid>
+              <a:tr h="370840">
+                <a:tc>
+                  <a:txBody>
+                    <a:bodyPr/>
+                    <a:lstStyle/>
+                    <a:p>
+                      <a:pPr algn="ctr"/>
+                      <a:r>
+                        <a:rPr lang="en-US" dirty="0"/>
+                        <a:t>Tasks</a:t>
+                      </a:r>
+                    </a:p>
+                  </a:txBody>
+                  <a:tcPr/>
+                </a:tc>
+                <a:tc>
+                  <a:txBody>
+                    <a:bodyPr/>
+                    <a:lstStyle/>
+                    <a:p>
+                      <a:pPr algn="ctr"/>
+                      <a:r>
+                        <a:rPr lang="en-US" dirty="0"/>
+                        <a:t>Timeframe</a:t>
+                      </a:r>
+                    </a:p>
+                  </a:txBody>
+                  <a:tcPr/>
+                </a:tc>
+                <a:extLst>
+                  <a:ext uri="{0D108BD9-81ED-4DB2-BD59-A6C34878D82A}">
+                    <a16:rowId xmlns:a16="http://schemas.microsoft.com/office/drawing/2014/main" val="2922835171"/>
+                  </a:ext>
+                </a:extLst>
+              </a:tr>
+              <a:tr h="370840">
+                <a:tc>
+                  <a:txBody>
+                    <a:bodyPr/>
+                    <a:lstStyle/>
+                    <a:p>
+                      <a:r>
+                        <a:rPr lang="en-US" dirty="0"/>
+                        <a:t>Planning the project, scope, tools, features </a:t>
+                      </a:r>
+                    </a:p>
+                  </a:txBody>
+                  <a:tcPr/>
+                </a:tc>
+                <a:tc>
+                  <a:txBody>
+                    <a:bodyPr/>
+                    <a:lstStyle/>
+                    <a:p>
+                      <a:r>
+                        <a:rPr lang="en-US" dirty="0"/>
+                        <a:t>Weeks 1-3. This includes project proposal, project search etc.</a:t>
+                      </a:r>
+                    </a:p>
+                  </a:txBody>
+                  <a:tcPr/>
+                </a:tc>
+                <a:extLst>
+                  <a:ext uri="{0D108BD9-81ED-4DB2-BD59-A6C34878D82A}">
+                    <a16:rowId xmlns:a16="http://schemas.microsoft.com/office/drawing/2014/main" val="2149971213"/>
+                  </a:ext>
+                </a:extLst>
+              </a:tr>
+              <a:tr h="370840">
+                <a:tc>
+                  <a:txBody>
+                    <a:bodyPr/>
+                    <a:lstStyle/>
+                    <a:p>
+                      <a:r>
+                        <a:rPr lang="en-US" dirty="0"/>
+                        <a:t>Creating the wireframes, working on the UI of the pages.</a:t>
+                      </a:r>
+                    </a:p>
+                  </a:txBody>
+                  <a:tcPr/>
+                </a:tc>
+                <a:tc>
+                  <a:txBody>
+                    <a:bodyPr/>
+                    <a:lstStyle/>
+                    <a:p>
+                      <a:r>
+                        <a:rPr lang="en-US" dirty="0"/>
+                        <a:t>Weeks 4-5 I will create wireframes on Balsamiq before creating pages in html and </a:t>
+                      </a:r>
+                      <a:r>
+                        <a:rPr lang="en-US" dirty="0" err="1"/>
+                        <a:t>css</a:t>
+                      </a:r>
+                      <a:r>
+                        <a:rPr lang="en-US" dirty="0"/>
+                        <a:t>. I will also be researching backend development during this period</a:t>
+                      </a:r>
+                    </a:p>
+                  </a:txBody>
+                  <a:tcPr/>
+                </a:tc>
+                <a:extLst>
+                  <a:ext uri="{0D108BD9-81ED-4DB2-BD59-A6C34878D82A}">
+                    <a16:rowId xmlns:a16="http://schemas.microsoft.com/office/drawing/2014/main" val="2542303254"/>
+                  </a:ext>
+                </a:extLst>
+              </a:tr>
+              <a:tr h="370840">
+                <a:tc>
+                  <a:txBody>
+                    <a:bodyPr/>
+                    <a:lstStyle/>
+                    <a:p>
+                      <a:r>
+                        <a:rPr lang="en-US" dirty="0"/>
+                        <a:t>Create the demo 1 showing my progress so far</a:t>
+                      </a:r>
+                    </a:p>
+                  </a:txBody>
+                  <a:tcPr/>
+                </a:tc>
+                <a:tc>
+                  <a:txBody>
+                    <a:bodyPr/>
+                    <a:lstStyle/>
+                    <a:p>
+                      <a:r>
+                        <a:rPr lang="en-US" dirty="0"/>
+                        <a:t>Weeks 6-7</a:t>
+                      </a:r>
+                    </a:p>
+                  </a:txBody>
+                  <a:tcPr/>
+                </a:tc>
+                <a:extLst>
+                  <a:ext uri="{0D108BD9-81ED-4DB2-BD59-A6C34878D82A}">
+                    <a16:rowId xmlns:a16="http://schemas.microsoft.com/office/drawing/2014/main" val="3385327650"/>
+                  </a:ext>
+                </a:extLst>
+              </a:tr>
+              <a:tr h="370840">
+                <a:tc>
+                  <a:txBody>
+                    <a:bodyPr/>
+                    <a:lstStyle/>
+                    <a:p>
+                      <a:r>
+                        <a:rPr lang="en-US" dirty="0"/>
+                        <a:t>Work on creating the database schema and trying to implement it.</a:t>
+                      </a:r>
+                    </a:p>
+                  </a:txBody>
+                  <a:tcPr/>
+                </a:tc>
+                <a:tc>
+                  <a:txBody>
+                    <a:bodyPr/>
+                    <a:lstStyle/>
+                    <a:p>
+                      <a:r>
+                        <a:rPr lang="en-US" dirty="0"/>
+                        <a:t>Weeks 7-9</a:t>
+                      </a:r>
+                    </a:p>
+                  </a:txBody>
+                  <a:tcPr/>
+                </a:tc>
+                <a:extLst>
+                  <a:ext uri="{0D108BD9-81ED-4DB2-BD59-A6C34878D82A}">
+                    <a16:rowId xmlns:a16="http://schemas.microsoft.com/office/drawing/2014/main" val="3230105092"/>
+                  </a:ext>
+                </a:extLst>
+              </a:tr>
+              <a:tr h="370840">
+                <a:tc>
+                  <a:txBody>
+                    <a:bodyPr/>
+                    <a:lstStyle/>
+                    <a:p>
+                      <a:r>
+                        <a:rPr lang="en-US" dirty="0"/>
+                        <a:t>Live Presentation</a:t>
+                      </a:r>
+                    </a:p>
+                  </a:txBody>
+                  <a:tcPr/>
+                </a:tc>
+                <a:tc>
+                  <a:txBody>
+                    <a:bodyPr/>
+                    <a:lstStyle/>
+                    <a:p>
+                      <a:r>
+                        <a:rPr lang="en-US" dirty="0"/>
+                        <a:t>Week 8</a:t>
+                      </a:r>
+                    </a:p>
+                  </a:txBody>
+                  <a:tcPr/>
+                </a:tc>
+                <a:extLst>
+                  <a:ext uri="{0D108BD9-81ED-4DB2-BD59-A6C34878D82A}">
+                    <a16:rowId xmlns:a16="http://schemas.microsoft.com/office/drawing/2014/main" val="1752907954"/>
+                  </a:ext>
+                </a:extLst>
+              </a:tr>
+              <a:tr h="370840">
+                <a:tc>
+                  <a:txBody>
+                    <a:bodyPr/>
+                    <a:lstStyle/>
+                    <a:p>
+                      <a:r>
+                        <a:rPr lang="en-US" dirty="0"/>
+                        <a:t>Work on the Backend of the Project.</a:t>
+                      </a:r>
+                    </a:p>
+                  </a:txBody>
+                  <a:tcPr/>
+                </a:tc>
+                <a:tc>
+                  <a:txBody>
+                    <a:bodyPr/>
+                    <a:lstStyle/>
+                    <a:p>
+                      <a:r>
+                        <a:rPr lang="en-US" dirty="0"/>
+                        <a:t>Week 9-12. This portion of the project I’m more unsure of as I’ve never worked with a backend before.</a:t>
+                      </a:r>
+                    </a:p>
+                  </a:txBody>
+                  <a:tcPr/>
+                </a:tc>
+                <a:extLst>
+                  <a:ext uri="{0D108BD9-81ED-4DB2-BD59-A6C34878D82A}">
+                    <a16:rowId xmlns:a16="http://schemas.microsoft.com/office/drawing/2014/main" val="2782356810"/>
+                  </a:ext>
+                </a:extLst>
+              </a:tr>
+              <a:tr h="370840">
+                <a:tc>
+                  <a:txBody>
+                    <a:bodyPr/>
+                    <a:lstStyle/>
+                    <a:p>
+                      <a:r>
+                        <a:rPr lang="en-US" dirty="0"/>
+                        <a:t>Demo 2</a:t>
+                      </a:r>
+                    </a:p>
+                  </a:txBody>
+                  <a:tcPr/>
+                </a:tc>
+                <a:tc>
+                  <a:txBody>
+                    <a:bodyPr/>
+                    <a:lstStyle/>
+                    <a:p>
+                      <a:r>
+                        <a:rPr lang="en-US" dirty="0"/>
+                        <a:t>Week 11.</a:t>
+                      </a:r>
+                    </a:p>
+                  </a:txBody>
+                  <a:tcPr/>
+                </a:tc>
+                <a:extLst>
+                  <a:ext uri="{0D108BD9-81ED-4DB2-BD59-A6C34878D82A}">
+                    <a16:rowId xmlns:a16="http://schemas.microsoft.com/office/drawing/2014/main" val="540934364"/>
+                  </a:ext>
+                </a:extLst>
+              </a:tr>
+              <a:tr h="370840">
+                <a:tc>
+                  <a:txBody>
+                    <a:bodyPr/>
+                    <a:lstStyle/>
+                    <a:p>
+                      <a:r>
+                        <a:rPr lang="en-US" dirty="0"/>
+                        <a:t>Presentation Slides</a:t>
+                      </a:r>
+                    </a:p>
+                  </a:txBody>
+                  <a:tcPr/>
+                </a:tc>
+                <a:tc>
+                  <a:txBody>
+                    <a:bodyPr/>
+                    <a:lstStyle/>
+                    <a:p>
+                      <a:r>
+                        <a:rPr lang="en-US" dirty="0"/>
+                        <a:t>Week 13-15</a:t>
+                      </a:r>
+                    </a:p>
+                  </a:txBody>
+                  <a:tcPr/>
+                </a:tc>
+                <a:extLst>
+                  <a:ext uri="{0D108BD9-81ED-4DB2-BD59-A6C34878D82A}">
+                    <a16:rowId xmlns:a16="http://schemas.microsoft.com/office/drawing/2014/main" val="2736426610"/>
+                  </a:ext>
+                </a:extLst>
+              </a:tr>
+            </a:tbl>
+          </a:graphicData>
+        </a:graphic>
+      </p:graphicFrame>
     </p:spTree>
     <p:extLst>
       <p:ext uri="{BB962C8B-B14F-4D97-AF65-F5344CB8AC3E}">

--- a/Design_Doc_MyStudies.pptx
+++ b/Design_Doc_MyStudies.pptx
@@ -8,14 +8,17 @@
     <p:sldId id="256" r:id="rId2"/>
     <p:sldId id="257" r:id="rId3"/>
     <p:sldId id="258" r:id="rId4"/>
-    <p:sldId id="259" r:id="rId5"/>
-    <p:sldId id="263" r:id="rId6"/>
-    <p:sldId id="264" r:id="rId7"/>
-    <p:sldId id="260" r:id="rId8"/>
-    <p:sldId id="261" r:id="rId9"/>
-    <p:sldId id="262" r:id="rId10"/>
-    <p:sldId id="265" r:id="rId11"/>
-    <p:sldId id="266" r:id="rId12"/>
+    <p:sldId id="267" r:id="rId5"/>
+    <p:sldId id="259" r:id="rId6"/>
+    <p:sldId id="263" r:id="rId7"/>
+    <p:sldId id="264" r:id="rId8"/>
+    <p:sldId id="268" r:id="rId9"/>
+    <p:sldId id="269" r:id="rId10"/>
+    <p:sldId id="260" r:id="rId11"/>
+    <p:sldId id="261" r:id="rId12"/>
+    <p:sldId id="262" r:id="rId13"/>
+    <p:sldId id="265" r:id="rId14"/>
+    <p:sldId id="266" r:id="rId15"/>
   </p:sldIdLst>
   <p:sldSz cx="12192000" cy="6858000"/>
   <p:notesSz cx="6858000" cy="9144000"/>
@@ -269,7 +272,7 @@
           <a:p>
             <a:fld id="{48A87A34-81AB-432B-8DAE-1953F412C126}" type="datetimeFigureOut">
               <a:rPr lang="en-US" smtClean="0"/>
-              <a:t>2/17/25</a:t>
+              <a:t>2/22/25</a:t>
             </a:fld>
             <a:endParaRPr lang="en-US" dirty="0"/>
           </a:p>
@@ -467,7 +470,7 @@
           <a:p>
             <a:fld id="{48A87A34-81AB-432B-8DAE-1953F412C126}" type="datetimeFigureOut">
               <a:rPr lang="en-US" smtClean="0"/>
-              <a:t>2/17/25</a:t>
+              <a:t>2/22/25</a:t>
             </a:fld>
             <a:endParaRPr lang="en-US" dirty="0"/>
           </a:p>
@@ -675,7 +678,7 @@
           <a:p>
             <a:fld id="{48A87A34-81AB-432B-8DAE-1953F412C126}" type="datetimeFigureOut">
               <a:rPr lang="en-US" smtClean="0"/>
-              <a:t>2/17/25</a:t>
+              <a:t>2/22/25</a:t>
             </a:fld>
             <a:endParaRPr lang="en-US" dirty="0"/>
           </a:p>
@@ -873,7 +876,7 @@
           <a:p>
             <a:fld id="{48A87A34-81AB-432B-8DAE-1953F412C126}" type="datetimeFigureOut">
               <a:rPr lang="en-US" smtClean="0"/>
-              <a:t>2/17/25</a:t>
+              <a:t>2/22/25</a:t>
             </a:fld>
             <a:endParaRPr lang="en-US" dirty="0"/>
           </a:p>
@@ -1148,7 +1151,7 @@
           <a:p>
             <a:fld id="{48A87A34-81AB-432B-8DAE-1953F412C126}" type="datetimeFigureOut">
               <a:rPr lang="en-US" smtClean="0"/>
-              <a:t>2/17/25</a:t>
+              <a:t>2/22/25</a:t>
             </a:fld>
             <a:endParaRPr lang="en-US" dirty="0"/>
           </a:p>
@@ -1413,7 +1416,7 @@
           <a:p>
             <a:fld id="{48A87A34-81AB-432B-8DAE-1953F412C126}" type="datetimeFigureOut">
               <a:rPr lang="en-US" smtClean="0"/>
-              <a:t>2/17/25</a:t>
+              <a:t>2/22/25</a:t>
             </a:fld>
             <a:endParaRPr lang="en-US" dirty="0"/>
           </a:p>
@@ -1826,7 +1829,7 @@
             <a:fld id="{48A87A34-81AB-432B-8DAE-1953F412C126}" type="datetimeFigureOut">
               <a:rPr lang="en-US" smtClean="0"/>
               <a:pPr/>
-              <a:t>2/17/25</a:t>
+              <a:t>2/22/25</a:t>
             </a:fld>
             <a:endParaRPr lang="en-US" dirty="0"/>
           </a:p>
@@ -1968,7 +1971,7 @@
           <a:p>
             <a:fld id="{48A87A34-81AB-432B-8DAE-1953F412C126}" type="datetimeFigureOut">
               <a:rPr lang="en-US" smtClean="0"/>
-              <a:t>2/17/25</a:t>
+              <a:t>2/22/25</a:t>
             </a:fld>
             <a:endParaRPr lang="en-US" dirty="0"/>
           </a:p>
@@ -2081,7 +2084,7 @@
           <a:p>
             <a:fld id="{48A87A34-81AB-432B-8DAE-1953F412C126}" type="datetimeFigureOut">
               <a:rPr lang="en-US" smtClean="0"/>
-              <a:t>2/17/25</a:t>
+              <a:t>2/22/25</a:t>
             </a:fld>
             <a:endParaRPr lang="en-US" dirty="0"/>
           </a:p>
@@ -2392,7 +2395,7 @@
           <a:p>
             <a:fld id="{48A87A34-81AB-432B-8DAE-1953F412C126}" type="datetimeFigureOut">
               <a:rPr lang="en-US" smtClean="0"/>
-              <a:t>2/17/25</a:t>
+              <a:t>2/22/25</a:t>
             </a:fld>
             <a:endParaRPr lang="en-US" dirty="0"/>
           </a:p>
@@ -2681,7 +2684,7 @@
             <a:fld id="{48A87A34-81AB-432B-8DAE-1953F412C126}" type="datetimeFigureOut">
               <a:rPr lang="en-US" smtClean="0"/>
               <a:pPr/>
-              <a:t>2/17/25</a:t>
+              <a:t>2/22/25</a:t>
             </a:fld>
             <a:endParaRPr lang="en-US" dirty="0"/>
           </a:p>
@@ -2923,7 +2926,7 @@
             <a:fld id="{48A87A34-81AB-432B-8DAE-1953F412C126}" type="datetimeFigureOut">
               <a:rPr lang="en-US" smtClean="0"/>
               <a:pPr/>
-              <a:t>2/17/25</a:t>
+              <a:t>2/22/25</a:t>
             </a:fld>
             <a:endParaRPr lang="en-US" dirty="0"/>
           </a:p>
@@ -3436,658 +3439,6 @@
 </file>
 
 <file path=ppt/slides/slide10.xml><?xml version="1.0" encoding="utf-8"?>
-<p:sld xmlns:a="http://schemas.openxmlformats.org/drawingml/2006/main" xmlns:r="http://schemas.openxmlformats.org/officeDocument/2006/relationships" xmlns:p="http://schemas.openxmlformats.org/presentationml/2006/main">
-  <p:cSld>
-    <p:spTree>
-      <p:nvGrpSpPr>
-        <p:cNvPr id="1" name=""/>
-        <p:cNvGrpSpPr/>
-        <p:nvPr/>
-      </p:nvGrpSpPr>
-      <p:grpSpPr>
-        <a:xfrm>
-          <a:off x="0" y="0"/>
-          <a:ext cx="0" cy="0"/>
-          <a:chOff x="0" y="0"/>
-          <a:chExt cx="0" cy="0"/>
-        </a:xfrm>
-      </p:grpSpPr>
-      <p:sp>
-        <p:nvSpPr>
-          <p:cNvPr id="2" name="Title 1">
-            <a:extLst>
-              <a:ext uri="{FF2B5EF4-FFF2-40B4-BE49-F238E27FC236}">
-                <a16:creationId xmlns:a16="http://schemas.microsoft.com/office/drawing/2014/main" id="{F40BAA40-E70D-6D78-30EC-AF5C736577EC}"/>
-              </a:ext>
-            </a:extLst>
-          </p:cNvPr>
-          <p:cNvSpPr>
-            <a:spLocks noGrp="1"/>
-          </p:cNvSpPr>
-          <p:nvPr>
-            <p:ph type="title"/>
-          </p:nvPr>
-        </p:nvSpPr>
-        <p:spPr/>
-        <p:txBody>
-          <a:bodyPr/>
-          <a:lstStyle/>
-          <a:p>
-            <a:r>
-              <a:rPr lang="en-US" dirty="0"/>
-              <a:t>Use Case #2</a:t>
-            </a:r>
-          </a:p>
-        </p:txBody>
-      </p:sp>
-      <p:sp>
-        <p:nvSpPr>
-          <p:cNvPr id="3" name="Content Placeholder 2">
-            <a:extLst>
-              <a:ext uri="{FF2B5EF4-FFF2-40B4-BE49-F238E27FC236}">
-                <a16:creationId xmlns:a16="http://schemas.microsoft.com/office/drawing/2014/main" id="{DFB2DCC2-6024-E321-1839-E3D883267049}"/>
-              </a:ext>
-            </a:extLst>
-          </p:cNvPr>
-          <p:cNvSpPr>
-            <a:spLocks noGrp="1"/>
-          </p:cNvSpPr>
-          <p:nvPr>
-            <p:ph idx="1"/>
-          </p:nvPr>
-        </p:nvSpPr>
-        <p:spPr/>
-        <p:txBody>
-          <a:bodyPr/>
-          <a:lstStyle/>
-          <a:p>
-            <a:r>
-              <a:rPr lang="en-US" dirty="0"/>
-              <a:t>A student has to keep track of next week’s Data Structures exam, his sister’s birthday, and a networking event in 3 weeks. The student clicks on the bulletin tab at the top of the homepage. The user then clicks the plus button and through a modal creates a “sticky note”. The user does this for the other 2 events as well. The user can log in to the site and know what reminders they have set for themselves.</a:t>
-            </a:r>
-          </a:p>
-        </p:txBody>
-      </p:sp>
-    </p:spTree>
-    <p:extLst>
-      <p:ext uri="{BB962C8B-B14F-4D97-AF65-F5344CB8AC3E}">
-        <p14:creationId xmlns:p14="http://schemas.microsoft.com/office/powerpoint/2010/main" val="4146637"/>
-      </p:ext>
-    </p:extLst>
-  </p:cSld>
-  <p:clrMapOvr>
-    <a:masterClrMapping/>
-  </p:clrMapOvr>
-</p:sld>
-</file>
-
-<file path=ppt/slides/slide11.xml><?xml version="1.0" encoding="utf-8"?>
-<p:sld xmlns:a="http://schemas.openxmlformats.org/drawingml/2006/main" xmlns:r="http://schemas.openxmlformats.org/officeDocument/2006/relationships" xmlns:p="http://schemas.openxmlformats.org/presentationml/2006/main">
-  <p:cSld>
-    <p:spTree>
-      <p:nvGrpSpPr>
-        <p:cNvPr id="1" name=""/>
-        <p:cNvGrpSpPr/>
-        <p:nvPr/>
-      </p:nvGrpSpPr>
-      <p:grpSpPr>
-        <a:xfrm>
-          <a:off x="0" y="0"/>
-          <a:ext cx="0" cy="0"/>
-          <a:chOff x="0" y="0"/>
-          <a:chExt cx="0" cy="0"/>
-        </a:xfrm>
-      </p:grpSpPr>
-      <p:sp>
-        <p:nvSpPr>
-          <p:cNvPr id="2" name="Title 1">
-            <a:extLst>
-              <a:ext uri="{FF2B5EF4-FFF2-40B4-BE49-F238E27FC236}">
-                <a16:creationId xmlns:a16="http://schemas.microsoft.com/office/drawing/2014/main" id="{3CA2A5D8-B81E-4B7B-F0A7-AD8F62DA3340}"/>
-              </a:ext>
-            </a:extLst>
-          </p:cNvPr>
-          <p:cNvSpPr>
-            <a:spLocks noGrp="1"/>
-          </p:cNvSpPr>
-          <p:nvPr>
-            <p:ph type="title"/>
-          </p:nvPr>
-        </p:nvSpPr>
-        <p:spPr/>
-        <p:txBody>
-          <a:bodyPr/>
-          <a:lstStyle/>
-          <a:p>
-            <a:r>
-              <a:rPr lang="en-US" dirty="0"/>
-              <a:t>Use Case #3</a:t>
-            </a:r>
-          </a:p>
-        </p:txBody>
-      </p:sp>
-      <p:sp>
-        <p:nvSpPr>
-          <p:cNvPr id="3" name="Content Placeholder 2">
-            <a:extLst>
-              <a:ext uri="{FF2B5EF4-FFF2-40B4-BE49-F238E27FC236}">
-                <a16:creationId xmlns:a16="http://schemas.microsoft.com/office/drawing/2014/main" id="{5336A67C-2E6B-A0F9-B74E-4DC48AB7F1BA}"/>
-              </a:ext>
-            </a:extLst>
-          </p:cNvPr>
-          <p:cNvSpPr>
-            <a:spLocks noGrp="1"/>
-          </p:cNvSpPr>
-          <p:nvPr>
-            <p:ph idx="1"/>
-          </p:nvPr>
-        </p:nvSpPr>
-        <p:spPr/>
-        <p:txBody>
-          <a:bodyPr/>
-          <a:lstStyle/>
-          <a:p>
-            <a:r>
-              <a:rPr lang="en-US" dirty="0"/>
-              <a:t>A student has just taken his history final exam and got an 85. He created a deck for review a week before the exam. The student is done for the year and decides he doesn’t need his materials for the class anymore. He logs in with his credentials and at the homepage finds the deck titled History Final. He then presses the x at the top right corner of the deck deleting the flashcard deck for that class.</a:t>
-            </a:r>
-          </a:p>
-        </p:txBody>
-      </p:sp>
-    </p:spTree>
-    <p:extLst>
-      <p:ext uri="{BB962C8B-B14F-4D97-AF65-F5344CB8AC3E}">
-        <p14:creationId xmlns:p14="http://schemas.microsoft.com/office/powerpoint/2010/main" val="1804042020"/>
-      </p:ext>
-    </p:extLst>
-  </p:cSld>
-  <p:clrMapOvr>
-    <a:masterClrMapping/>
-  </p:clrMapOvr>
-</p:sld>
-</file>
-
-<file path=ppt/slides/slide2.xml><?xml version="1.0" encoding="utf-8"?>
-<p:sld xmlns:a="http://schemas.openxmlformats.org/drawingml/2006/main" xmlns:r="http://schemas.openxmlformats.org/officeDocument/2006/relationships" xmlns:p="http://schemas.openxmlformats.org/presentationml/2006/main">
-  <p:cSld>
-    <p:spTree>
-      <p:nvGrpSpPr>
-        <p:cNvPr id="1" name=""/>
-        <p:cNvGrpSpPr/>
-        <p:nvPr/>
-      </p:nvGrpSpPr>
-      <p:grpSpPr>
-        <a:xfrm>
-          <a:off x="0" y="0"/>
-          <a:ext cx="0" cy="0"/>
-          <a:chOff x="0" y="0"/>
-          <a:chExt cx="0" cy="0"/>
-        </a:xfrm>
-      </p:grpSpPr>
-      <p:sp>
-        <p:nvSpPr>
-          <p:cNvPr id="2" name="Title 1">
-            <a:extLst>
-              <a:ext uri="{FF2B5EF4-FFF2-40B4-BE49-F238E27FC236}">
-                <a16:creationId xmlns:a16="http://schemas.microsoft.com/office/drawing/2014/main" id="{A795745C-1C95-AA5F-1C55-40710B175682}"/>
-              </a:ext>
-            </a:extLst>
-          </p:cNvPr>
-          <p:cNvSpPr>
-            <a:spLocks noGrp="1"/>
-          </p:cNvSpPr>
-          <p:nvPr>
-            <p:ph type="title"/>
-          </p:nvPr>
-        </p:nvSpPr>
-        <p:spPr/>
-        <p:txBody>
-          <a:bodyPr/>
-          <a:lstStyle/>
-          <a:p>
-            <a:r>
-              <a:rPr lang="en-US" dirty="0"/>
-              <a:t>Abstract</a:t>
-            </a:r>
-          </a:p>
-        </p:txBody>
-      </p:sp>
-      <p:sp>
-        <p:nvSpPr>
-          <p:cNvPr id="3" name="Content Placeholder 2">
-            <a:extLst>
-              <a:ext uri="{FF2B5EF4-FFF2-40B4-BE49-F238E27FC236}">
-                <a16:creationId xmlns:a16="http://schemas.microsoft.com/office/drawing/2014/main" id="{417223A6-25BB-FB22-B717-0A359B121A3B}"/>
-              </a:ext>
-            </a:extLst>
-          </p:cNvPr>
-          <p:cNvSpPr>
-            <a:spLocks noGrp="1"/>
-          </p:cNvSpPr>
-          <p:nvPr>
-            <p:ph idx="1"/>
-          </p:nvPr>
-        </p:nvSpPr>
-        <p:spPr/>
-        <p:txBody>
-          <a:bodyPr/>
-          <a:lstStyle/>
-          <a:p>
-            <a:pPr marL="0" indent="0">
-              <a:buNone/>
-            </a:pPr>
-            <a:r>
-              <a:rPr lang="en-US" dirty="0" err="1"/>
-              <a:t>MyStudies</a:t>
-            </a:r>
-            <a:r>
-              <a:rPr lang="en-US" dirty="0"/>
-              <a:t> is a website that helps students prepare for their academics and encourages productivity. </a:t>
-            </a:r>
-            <a:r>
-              <a:rPr lang="en-US" dirty="0" err="1"/>
-              <a:t>MyStudies</a:t>
-            </a:r>
-            <a:r>
-              <a:rPr lang="en-US" dirty="0"/>
-              <a:t> will allow students to create and review flashcard decks allowing them to curate their studies. The site will also have a bulletin feature that allows students to keep track of important deadlines and tasks. Students will also have the ability to log in and create a personal profile to represent their hobbies and interests. Overall this project will involve creating an intuitive frontend, designing a database to store student information such as decks, bulletin, profile, and creating a backend facilitate. </a:t>
-            </a:r>
-          </a:p>
-        </p:txBody>
-      </p:sp>
-    </p:spTree>
-    <p:extLst>
-      <p:ext uri="{BB962C8B-B14F-4D97-AF65-F5344CB8AC3E}">
-        <p14:creationId xmlns:p14="http://schemas.microsoft.com/office/powerpoint/2010/main" val="3911528875"/>
-      </p:ext>
-    </p:extLst>
-  </p:cSld>
-  <p:clrMapOvr>
-    <a:masterClrMapping/>
-  </p:clrMapOvr>
-</p:sld>
-</file>
-
-<file path=ppt/slides/slide3.xml><?xml version="1.0" encoding="utf-8"?>
-<p:sld xmlns:a="http://schemas.openxmlformats.org/drawingml/2006/main" xmlns:r="http://schemas.openxmlformats.org/officeDocument/2006/relationships" xmlns:p="http://schemas.openxmlformats.org/presentationml/2006/main">
-  <p:cSld>
-    <p:spTree>
-      <p:nvGrpSpPr>
-        <p:cNvPr id="1" name=""/>
-        <p:cNvGrpSpPr/>
-        <p:nvPr/>
-      </p:nvGrpSpPr>
-      <p:grpSpPr>
-        <a:xfrm>
-          <a:off x="0" y="0"/>
-          <a:ext cx="0" cy="0"/>
-          <a:chOff x="0" y="0"/>
-          <a:chExt cx="0" cy="0"/>
-        </a:xfrm>
-      </p:grpSpPr>
-      <p:sp>
-        <p:nvSpPr>
-          <p:cNvPr id="2" name="Title 1">
-            <a:extLst>
-              <a:ext uri="{FF2B5EF4-FFF2-40B4-BE49-F238E27FC236}">
-                <a16:creationId xmlns:a16="http://schemas.microsoft.com/office/drawing/2014/main" id="{F12B9B8E-64F1-5E83-EA10-23810FB81819}"/>
-              </a:ext>
-            </a:extLst>
-          </p:cNvPr>
-          <p:cNvSpPr>
-            <a:spLocks noGrp="1"/>
-          </p:cNvSpPr>
-          <p:nvPr>
-            <p:ph type="title"/>
-          </p:nvPr>
-        </p:nvSpPr>
-        <p:spPr/>
-        <p:txBody>
-          <a:bodyPr/>
-          <a:lstStyle/>
-          <a:p>
-            <a:r>
-              <a:rPr lang="en-US" dirty="0"/>
-              <a:t>Tools</a:t>
-            </a:r>
-          </a:p>
-        </p:txBody>
-      </p:sp>
-      <p:sp>
-        <p:nvSpPr>
-          <p:cNvPr id="3" name="Content Placeholder 2">
-            <a:extLst>
-              <a:ext uri="{FF2B5EF4-FFF2-40B4-BE49-F238E27FC236}">
-                <a16:creationId xmlns:a16="http://schemas.microsoft.com/office/drawing/2014/main" id="{9926B161-C62E-ED47-8E33-8C11FB520F4A}"/>
-              </a:ext>
-            </a:extLst>
-          </p:cNvPr>
-          <p:cNvSpPr>
-            <a:spLocks noGrp="1"/>
-          </p:cNvSpPr>
-          <p:nvPr>
-            <p:ph idx="1"/>
-          </p:nvPr>
-        </p:nvSpPr>
-        <p:spPr/>
-        <p:txBody>
-          <a:bodyPr/>
-          <a:lstStyle/>
-          <a:p>
-            <a:r>
-              <a:rPr lang="en-US" dirty="0" err="1"/>
-              <a:t>Javascript</a:t>
-            </a:r>
-            <a:endParaRPr lang="en-US" dirty="0"/>
-          </a:p>
-          <a:p>
-            <a:r>
-              <a:rPr lang="en-US" dirty="0"/>
-              <a:t>HTML</a:t>
-            </a:r>
-          </a:p>
-          <a:p>
-            <a:r>
-              <a:rPr lang="en-US" dirty="0"/>
-              <a:t>CSS</a:t>
-            </a:r>
-          </a:p>
-          <a:p>
-            <a:r>
-              <a:rPr lang="en-US" dirty="0"/>
-              <a:t>Git</a:t>
-            </a:r>
-          </a:p>
-          <a:p>
-            <a:r>
-              <a:rPr lang="en-US" dirty="0" err="1"/>
-              <a:t>Github</a:t>
-            </a:r>
-            <a:endParaRPr lang="en-US" dirty="0"/>
-          </a:p>
-          <a:p>
-            <a:r>
-              <a:rPr lang="en-US" dirty="0"/>
-              <a:t>Database (leaning towards MySQL)</a:t>
-            </a:r>
-          </a:p>
-        </p:txBody>
-      </p:sp>
-    </p:spTree>
-    <p:extLst>
-      <p:ext uri="{BB962C8B-B14F-4D97-AF65-F5344CB8AC3E}">
-        <p14:creationId xmlns:p14="http://schemas.microsoft.com/office/powerpoint/2010/main" val="4174269871"/>
-      </p:ext>
-    </p:extLst>
-  </p:cSld>
-  <p:clrMapOvr>
-    <a:masterClrMapping/>
-  </p:clrMapOvr>
-</p:sld>
-</file>
-
-<file path=ppt/slides/slide4.xml><?xml version="1.0" encoding="utf-8"?>
-<p:sld xmlns:a="http://schemas.openxmlformats.org/drawingml/2006/main" xmlns:r="http://schemas.openxmlformats.org/officeDocument/2006/relationships" xmlns:p="http://schemas.openxmlformats.org/presentationml/2006/main">
-  <p:cSld>
-    <p:spTree>
-      <p:nvGrpSpPr>
-        <p:cNvPr id="1" name=""/>
-        <p:cNvGrpSpPr/>
-        <p:nvPr/>
-      </p:nvGrpSpPr>
-      <p:grpSpPr>
-        <a:xfrm>
-          <a:off x="0" y="0"/>
-          <a:ext cx="0" cy="0"/>
-          <a:chOff x="0" y="0"/>
-          <a:chExt cx="0" cy="0"/>
-        </a:xfrm>
-      </p:grpSpPr>
-      <p:sp>
-        <p:nvSpPr>
-          <p:cNvPr id="2" name="Title 1">
-            <a:extLst>
-              <a:ext uri="{FF2B5EF4-FFF2-40B4-BE49-F238E27FC236}">
-                <a16:creationId xmlns:a16="http://schemas.microsoft.com/office/drawing/2014/main" id="{3A4CA1F2-6690-724A-96C9-CC2748932ED0}"/>
-              </a:ext>
-            </a:extLst>
-          </p:cNvPr>
-          <p:cNvSpPr>
-            <a:spLocks noGrp="1"/>
-          </p:cNvSpPr>
-          <p:nvPr>
-            <p:ph type="title"/>
-          </p:nvPr>
-        </p:nvSpPr>
-        <p:spPr/>
-        <p:txBody>
-          <a:bodyPr/>
-          <a:lstStyle/>
-          <a:p>
-            <a:r>
-              <a:rPr lang="en-US" dirty="0"/>
-              <a:t>User Flow</a:t>
-            </a:r>
-          </a:p>
-        </p:txBody>
-      </p:sp>
-      <p:pic>
-        <p:nvPicPr>
-          <p:cNvPr id="17" name="Content Placeholder 16" descr="A diagram of a flowchart&#10;&#10;AI-generated content may be incorrect.">
-            <a:extLst>
-              <a:ext uri="{FF2B5EF4-FFF2-40B4-BE49-F238E27FC236}">
-                <a16:creationId xmlns:a16="http://schemas.microsoft.com/office/drawing/2014/main" id="{DFC3FE29-A598-3AAF-EA44-D06716558A9C}"/>
-              </a:ext>
-            </a:extLst>
-          </p:cNvPr>
-          <p:cNvPicPr>
-            <a:picLocks noGrp="1" noChangeAspect="1"/>
-          </p:cNvPicPr>
-          <p:nvPr>
-            <p:ph idx="1"/>
-          </p:nvPr>
-        </p:nvPicPr>
-        <p:blipFill>
-          <a:blip r:embed="rId2"/>
-          <a:stretch>
-            <a:fillRect/>
-          </a:stretch>
-        </p:blipFill>
-        <p:spPr>
-          <a:xfrm>
-            <a:off x="3168601" y="1293813"/>
-            <a:ext cx="5854797" cy="4883150"/>
-          </a:xfrm>
-        </p:spPr>
-      </p:pic>
-    </p:spTree>
-    <p:extLst>
-      <p:ext uri="{BB962C8B-B14F-4D97-AF65-F5344CB8AC3E}">
-        <p14:creationId xmlns:p14="http://schemas.microsoft.com/office/powerpoint/2010/main" val="2911008078"/>
-      </p:ext>
-    </p:extLst>
-  </p:cSld>
-  <p:clrMapOvr>
-    <a:masterClrMapping/>
-  </p:clrMapOvr>
-</p:sld>
-</file>
-
-<file path=ppt/slides/slide5.xml><?xml version="1.0" encoding="utf-8"?>
-<p:sld xmlns:a="http://schemas.openxmlformats.org/drawingml/2006/main" xmlns:r="http://schemas.openxmlformats.org/officeDocument/2006/relationships" xmlns:p="http://schemas.openxmlformats.org/presentationml/2006/main">
-  <p:cSld>
-    <p:spTree>
-      <p:nvGrpSpPr>
-        <p:cNvPr id="1" name=""/>
-        <p:cNvGrpSpPr/>
-        <p:nvPr/>
-      </p:nvGrpSpPr>
-      <p:grpSpPr>
-        <a:xfrm>
-          <a:off x="0" y="0"/>
-          <a:ext cx="0" cy="0"/>
-          <a:chOff x="0" y="0"/>
-          <a:chExt cx="0" cy="0"/>
-        </a:xfrm>
-      </p:grpSpPr>
-      <p:sp>
-        <p:nvSpPr>
-          <p:cNvPr id="2" name="Title 1">
-            <a:extLst>
-              <a:ext uri="{FF2B5EF4-FFF2-40B4-BE49-F238E27FC236}">
-                <a16:creationId xmlns:a16="http://schemas.microsoft.com/office/drawing/2014/main" id="{EB00B0C5-2145-44A8-1BC8-35B4911E5712}"/>
-              </a:ext>
-            </a:extLst>
-          </p:cNvPr>
-          <p:cNvSpPr>
-            <a:spLocks noGrp="1"/>
-          </p:cNvSpPr>
-          <p:nvPr>
-            <p:ph type="title"/>
-          </p:nvPr>
-        </p:nvSpPr>
-        <p:spPr/>
-        <p:txBody>
-          <a:bodyPr/>
-          <a:lstStyle/>
-          <a:p>
-            <a:r>
-              <a:rPr lang="en-US" dirty="0"/>
-              <a:t>Homepage Wireframe</a:t>
-            </a:r>
-          </a:p>
-        </p:txBody>
-      </p:sp>
-      <p:pic>
-        <p:nvPicPr>
-          <p:cNvPr id="5" name="Content Placeholder 4" descr="A screenshot of a web page&#10;&#10;AI-generated content may be incorrect.">
-            <a:extLst>
-              <a:ext uri="{FF2B5EF4-FFF2-40B4-BE49-F238E27FC236}">
-                <a16:creationId xmlns:a16="http://schemas.microsoft.com/office/drawing/2014/main" id="{02329A2F-66A2-ED43-CC6F-7E12C25EAC72}"/>
-              </a:ext>
-            </a:extLst>
-          </p:cNvPr>
-          <p:cNvPicPr>
-            <a:picLocks noGrp="1" noChangeAspect="1"/>
-          </p:cNvPicPr>
-          <p:nvPr>
-            <p:ph idx="1"/>
-          </p:nvPr>
-        </p:nvPicPr>
-        <p:blipFill>
-          <a:blip r:embed="rId2"/>
-          <a:stretch>
-            <a:fillRect/>
-          </a:stretch>
-        </p:blipFill>
-        <p:spPr>
-          <a:xfrm>
-            <a:off x="3131443" y="1825625"/>
-            <a:ext cx="5929113" cy="4351338"/>
-          </a:xfrm>
-        </p:spPr>
-      </p:pic>
-    </p:spTree>
-    <p:extLst>
-      <p:ext uri="{BB962C8B-B14F-4D97-AF65-F5344CB8AC3E}">
-        <p14:creationId xmlns:p14="http://schemas.microsoft.com/office/powerpoint/2010/main" val="741579544"/>
-      </p:ext>
-    </p:extLst>
-  </p:cSld>
-  <p:clrMapOvr>
-    <a:masterClrMapping/>
-  </p:clrMapOvr>
-</p:sld>
-</file>
-
-<file path=ppt/slides/slide6.xml><?xml version="1.0" encoding="utf-8"?>
-<p:sld xmlns:a="http://schemas.openxmlformats.org/drawingml/2006/main" xmlns:r="http://schemas.openxmlformats.org/officeDocument/2006/relationships" xmlns:p="http://schemas.openxmlformats.org/presentationml/2006/main">
-  <p:cSld>
-    <p:spTree>
-      <p:nvGrpSpPr>
-        <p:cNvPr id="1" name=""/>
-        <p:cNvGrpSpPr/>
-        <p:nvPr/>
-      </p:nvGrpSpPr>
-      <p:grpSpPr>
-        <a:xfrm>
-          <a:off x="0" y="0"/>
-          <a:ext cx="0" cy="0"/>
-          <a:chOff x="0" y="0"/>
-          <a:chExt cx="0" cy="0"/>
-        </a:xfrm>
-      </p:grpSpPr>
-      <p:sp>
-        <p:nvSpPr>
-          <p:cNvPr id="2" name="Title 1">
-            <a:extLst>
-              <a:ext uri="{FF2B5EF4-FFF2-40B4-BE49-F238E27FC236}">
-                <a16:creationId xmlns:a16="http://schemas.microsoft.com/office/drawing/2014/main" id="{F55F0267-AB95-CFB7-411E-08AD1A35D3FB}"/>
-              </a:ext>
-            </a:extLst>
-          </p:cNvPr>
-          <p:cNvSpPr>
-            <a:spLocks noGrp="1"/>
-          </p:cNvSpPr>
-          <p:nvPr>
-            <p:ph type="title"/>
-          </p:nvPr>
-        </p:nvSpPr>
-        <p:spPr/>
-        <p:txBody>
-          <a:bodyPr/>
-          <a:lstStyle/>
-          <a:p>
-            <a:r>
-              <a:rPr lang="en-US" dirty="0"/>
-              <a:t>Bulletin Wireframe</a:t>
-            </a:r>
-          </a:p>
-        </p:txBody>
-      </p:sp>
-      <p:pic>
-        <p:nvPicPr>
-          <p:cNvPr id="5" name="Content Placeholder 4" descr="What the UI of my Bulletin page will look like. ">
-            <a:extLst>
-              <a:ext uri="{FF2B5EF4-FFF2-40B4-BE49-F238E27FC236}">
-                <a16:creationId xmlns:a16="http://schemas.microsoft.com/office/drawing/2014/main" id="{8D737695-5CC0-CDC0-8909-344015765294}"/>
-              </a:ext>
-            </a:extLst>
-          </p:cNvPr>
-          <p:cNvPicPr>
-            <a:picLocks noGrp="1" noChangeAspect="1"/>
-          </p:cNvPicPr>
-          <p:nvPr>
-            <p:ph idx="1"/>
-          </p:nvPr>
-        </p:nvPicPr>
-        <p:blipFill>
-          <a:blip r:embed="rId2"/>
-          <a:stretch>
-            <a:fillRect/>
-          </a:stretch>
-        </p:blipFill>
-        <p:spPr>
-          <a:xfrm>
-            <a:off x="3832182" y="1825625"/>
-            <a:ext cx="4527635" cy="4351338"/>
-          </a:xfrm>
-        </p:spPr>
-      </p:pic>
-    </p:spTree>
-    <p:extLst>
-      <p:ext uri="{BB962C8B-B14F-4D97-AF65-F5344CB8AC3E}">
-        <p14:creationId xmlns:p14="http://schemas.microsoft.com/office/powerpoint/2010/main" val="3285411443"/>
-      </p:ext>
-    </p:extLst>
-  </p:cSld>
-  <p:clrMapOvr>
-    <a:masterClrMapping/>
-  </p:clrMapOvr>
-</p:sld>
-</file>
-
-<file path=ppt/slides/slide7.xml><?xml version="1.0" encoding="utf-8"?>
 <p:sld xmlns:a="http://schemas.openxmlformats.org/drawingml/2006/main" xmlns:r="http://schemas.openxmlformats.org/officeDocument/2006/relationships" xmlns:p="http://schemas.openxmlformats.org/presentationml/2006/main">
   <p:cSld>
     <p:spTree>
@@ -4508,6 +3859,937 @@
 </p:sld>
 </file>
 
+<file path=ppt/slides/slide11.xml><?xml version="1.0" encoding="utf-8"?>
+<p:sld xmlns:a="http://schemas.openxmlformats.org/drawingml/2006/main" xmlns:r="http://schemas.openxmlformats.org/officeDocument/2006/relationships" xmlns:p="http://schemas.openxmlformats.org/presentationml/2006/main">
+  <p:cSld>
+    <p:spTree>
+      <p:nvGrpSpPr>
+        <p:cNvPr id="1" name=""/>
+        <p:cNvGrpSpPr/>
+        <p:nvPr/>
+      </p:nvGrpSpPr>
+      <p:grpSpPr>
+        <a:xfrm>
+          <a:off x="0" y="0"/>
+          <a:ext cx="0" cy="0"/>
+          <a:chOff x="0" y="0"/>
+          <a:chExt cx="0" cy="0"/>
+        </a:xfrm>
+      </p:grpSpPr>
+      <p:sp>
+        <p:nvSpPr>
+          <p:cNvPr id="2" name="Title 1">
+            <a:extLst>
+              <a:ext uri="{FF2B5EF4-FFF2-40B4-BE49-F238E27FC236}">
+                <a16:creationId xmlns:a16="http://schemas.microsoft.com/office/drawing/2014/main" id="{5B25892B-2D2F-A0FE-A7CD-632FCDFC1580}"/>
+              </a:ext>
+            </a:extLst>
+          </p:cNvPr>
+          <p:cNvSpPr>
+            <a:spLocks noGrp="1"/>
+          </p:cNvSpPr>
+          <p:nvPr>
+            <p:ph type="title"/>
+          </p:nvPr>
+        </p:nvSpPr>
+        <p:spPr/>
+        <p:txBody>
+          <a:bodyPr/>
+          <a:lstStyle/>
+          <a:p>
+            <a:r>
+              <a:rPr lang="en-US" dirty="0"/>
+              <a:t>Will I use any Datasets?</a:t>
+            </a:r>
+          </a:p>
+        </p:txBody>
+      </p:sp>
+      <p:sp>
+        <p:nvSpPr>
+          <p:cNvPr id="3" name="Content Placeholder 2">
+            <a:extLst>
+              <a:ext uri="{FF2B5EF4-FFF2-40B4-BE49-F238E27FC236}">
+                <a16:creationId xmlns:a16="http://schemas.microsoft.com/office/drawing/2014/main" id="{7A5B4583-A045-E52D-60E3-883CF2117E5E}"/>
+              </a:ext>
+            </a:extLst>
+          </p:cNvPr>
+          <p:cNvSpPr>
+            <a:spLocks noGrp="1"/>
+          </p:cNvSpPr>
+          <p:nvPr>
+            <p:ph idx="1"/>
+          </p:nvPr>
+        </p:nvSpPr>
+        <p:spPr/>
+        <p:txBody>
+          <a:bodyPr/>
+          <a:lstStyle/>
+          <a:p>
+            <a:r>
+              <a:rPr lang="en-US" dirty="0"/>
+              <a:t>Most likely no. Most of the data will probably be created by me and inserted into a database.</a:t>
+            </a:r>
+          </a:p>
+          <a:p>
+            <a:r>
+              <a:rPr lang="en-US" dirty="0"/>
+              <a:t>My database will store dummy users and their flashcard decks, bulletin posts, and profile information.</a:t>
+            </a:r>
+          </a:p>
+        </p:txBody>
+      </p:sp>
+    </p:spTree>
+    <p:extLst>
+      <p:ext uri="{BB962C8B-B14F-4D97-AF65-F5344CB8AC3E}">
+        <p14:creationId xmlns:p14="http://schemas.microsoft.com/office/powerpoint/2010/main" val="3185255996"/>
+      </p:ext>
+    </p:extLst>
+  </p:cSld>
+  <p:clrMapOvr>
+    <a:masterClrMapping/>
+  </p:clrMapOvr>
+</p:sld>
+</file>
+
+<file path=ppt/slides/slide12.xml><?xml version="1.0" encoding="utf-8"?>
+<p:sld xmlns:a="http://schemas.openxmlformats.org/drawingml/2006/main" xmlns:r="http://schemas.openxmlformats.org/officeDocument/2006/relationships" xmlns:p="http://schemas.openxmlformats.org/presentationml/2006/main">
+  <p:cSld>
+    <p:spTree>
+      <p:nvGrpSpPr>
+        <p:cNvPr id="1" name=""/>
+        <p:cNvGrpSpPr/>
+        <p:nvPr/>
+      </p:nvGrpSpPr>
+      <p:grpSpPr>
+        <a:xfrm>
+          <a:off x="0" y="0"/>
+          <a:ext cx="0" cy="0"/>
+          <a:chOff x="0" y="0"/>
+          <a:chExt cx="0" cy="0"/>
+        </a:xfrm>
+      </p:grpSpPr>
+      <p:sp>
+        <p:nvSpPr>
+          <p:cNvPr id="2" name="Title 1">
+            <a:extLst>
+              <a:ext uri="{FF2B5EF4-FFF2-40B4-BE49-F238E27FC236}">
+                <a16:creationId xmlns:a16="http://schemas.microsoft.com/office/drawing/2014/main" id="{DE1503D1-C320-6950-CE28-70CC52A74EE4}"/>
+              </a:ext>
+            </a:extLst>
+          </p:cNvPr>
+          <p:cNvSpPr>
+            <a:spLocks noGrp="1"/>
+          </p:cNvSpPr>
+          <p:nvPr>
+            <p:ph type="title"/>
+          </p:nvPr>
+        </p:nvSpPr>
+        <p:spPr/>
+        <p:txBody>
+          <a:bodyPr/>
+          <a:lstStyle/>
+          <a:p>
+            <a:r>
+              <a:rPr lang="en-US" dirty="0"/>
+              <a:t>Use Case #1</a:t>
+            </a:r>
+          </a:p>
+        </p:txBody>
+      </p:sp>
+      <p:sp>
+        <p:nvSpPr>
+          <p:cNvPr id="3" name="Content Placeholder 2">
+            <a:extLst>
+              <a:ext uri="{FF2B5EF4-FFF2-40B4-BE49-F238E27FC236}">
+                <a16:creationId xmlns:a16="http://schemas.microsoft.com/office/drawing/2014/main" id="{D6ED56F3-6897-C646-F4D2-9B6C28C16DAC}"/>
+              </a:ext>
+            </a:extLst>
+          </p:cNvPr>
+          <p:cNvSpPr>
+            <a:spLocks noGrp="1"/>
+          </p:cNvSpPr>
+          <p:nvPr>
+            <p:ph idx="1"/>
+          </p:nvPr>
+        </p:nvSpPr>
+        <p:spPr/>
+        <p:txBody>
+          <a:bodyPr/>
+          <a:lstStyle/>
+          <a:p>
+            <a:r>
+              <a:rPr lang="en-US" dirty="0"/>
+              <a:t>Scenario 1: A student will want to review flashcards for a history exam. The student will log in with their proper credentials and in the homepage click the plus button. A modal will pop up and take in definitions and terms inputted from the user in a form. Once submitted a deck object containing the terms will appear on the homepage. The student will click the matching game in the deck container to test themselves.</a:t>
+            </a:r>
+          </a:p>
+        </p:txBody>
+      </p:sp>
+    </p:spTree>
+    <p:extLst>
+      <p:ext uri="{BB962C8B-B14F-4D97-AF65-F5344CB8AC3E}">
+        <p14:creationId xmlns:p14="http://schemas.microsoft.com/office/powerpoint/2010/main" val="3043498632"/>
+      </p:ext>
+    </p:extLst>
+  </p:cSld>
+  <p:clrMapOvr>
+    <a:masterClrMapping/>
+  </p:clrMapOvr>
+</p:sld>
+</file>
+
+<file path=ppt/slides/slide13.xml><?xml version="1.0" encoding="utf-8"?>
+<p:sld xmlns:a="http://schemas.openxmlformats.org/drawingml/2006/main" xmlns:r="http://schemas.openxmlformats.org/officeDocument/2006/relationships" xmlns:p="http://schemas.openxmlformats.org/presentationml/2006/main">
+  <p:cSld>
+    <p:spTree>
+      <p:nvGrpSpPr>
+        <p:cNvPr id="1" name=""/>
+        <p:cNvGrpSpPr/>
+        <p:nvPr/>
+      </p:nvGrpSpPr>
+      <p:grpSpPr>
+        <a:xfrm>
+          <a:off x="0" y="0"/>
+          <a:ext cx="0" cy="0"/>
+          <a:chOff x="0" y="0"/>
+          <a:chExt cx="0" cy="0"/>
+        </a:xfrm>
+      </p:grpSpPr>
+      <p:sp>
+        <p:nvSpPr>
+          <p:cNvPr id="2" name="Title 1">
+            <a:extLst>
+              <a:ext uri="{FF2B5EF4-FFF2-40B4-BE49-F238E27FC236}">
+                <a16:creationId xmlns:a16="http://schemas.microsoft.com/office/drawing/2014/main" id="{F40BAA40-E70D-6D78-30EC-AF5C736577EC}"/>
+              </a:ext>
+            </a:extLst>
+          </p:cNvPr>
+          <p:cNvSpPr>
+            <a:spLocks noGrp="1"/>
+          </p:cNvSpPr>
+          <p:nvPr>
+            <p:ph type="title"/>
+          </p:nvPr>
+        </p:nvSpPr>
+        <p:spPr/>
+        <p:txBody>
+          <a:bodyPr/>
+          <a:lstStyle/>
+          <a:p>
+            <a:r>
+              <a:rPr lang="en-US" dirty="0"/>
+              <a:t>Use Case #2</a:t>
+            </a:r>
+          </a:p>
+        </p:txBody>
+      </p:sp>
+      <p:sp>
+        <p:nvSpPr>
+          <p:cNvPr id="3" name="Content Placeholder 2">
+            <a:extLst>
+              <a:ext uri="{FF2B5EF4-FFF2-40B4-BE49-F238E27FC236}">
+                <a16:creationId xmlns:a16="http://schemas.microsoft.com/office/drawing/2014/main" id="{DFB2DCC2-6024-E321-1839-E3D883267049}"/>
+              </a:ext>
+            </a:extLst>
+          </p:cNvPr>
+          <p:cNvSpPr>
+            <a:spLocks noGrp="1"/>
+          </p:cNvSpPr>
+          <p:nvPr>
+            <p:ph idx="1"/>
+          </p:nvPr>
+        </p:nvSpPr>
+        <p:spPr/>
+        <p:txBody>
+          <a:bodyPr/>
+          <a:lstStyle/>
+          <a:p>
+            <a:r>
+              <a:rPr lang="en-US" dirty="0"/>
+              <a:t>A student has to keep track of next week’s Data Structures exam, his sister’s birthday, and a networking event in 3 weeks. The student clicks on the bulletin tab at the top of the homepage. The user then clicks the plus button and through a modal creates a “sticky note”. The user does this for the other 2 events as well. The user can log in to the site and know what reminders they have set for themselves.</a:t>
+            </a:r>
+          </a:p>
+        </p:txBody>
+      </p:sp>
+    </p:spTree>
+    <p:extLst>
+      <p:ext uri="{BB962C8B-B14F-4D97-AF65-F5344CB8AC3E}">
+        <p14:creationId xmlns:p14="http://schemas.microsoft.com/office/powerpoint/2010/main" val="4146637"/>
+      </p:ext>
+    </p:extLst>
+  </p:cSld>
+  <p:clrMapOvr>
+    <a:masterClrMapping/>
+  </p:clrMapOvr>
+</p:sld>
+</file>
+
+<file path=ppt/slides/slide14.xml><?xml version="1.0" encoding="utf-8"?>
+<p:sld xmlns:a="http://schemas.openxmlformats.org/drawingml/2006/main" xmlns:r="http://schemas.openxmlformats.org/officeDocument/2006/relationships" xmlns:p="http://schemas.openxmlformats.org/presentationml/2006/main">
+  <p:cSld>
+    <p:spTree>
+      <p:nvGrpSpPr>
+        <p:cNvPr id="1" name=""/>
+        <p:cNvGrpSpPr/>
+        <p:nvPr/>
+      </p:nvGrpSpPr>
+      <p:grpSpPr>
+        <a:xfrm>
+          <a:off x="0" y="0"/>
+          <a:ext cx="0" cy="0"/>
+          <a:chOff x="0" y="0"/>
+          <a:chExt cx="0" cy="0"/>
+        </a:xfrm>
+      </p:grpSpPr>
+      <p:sp>
+        <p:nvSpPr>
+          <p:cNvPr id="2" name="Title 1">
+            <a:extLst>
+              <a:ext uri="{FF2B5EF4-FFF2-40B4-BE49-F238E27FC236}">
+                <a16:creationId xmlns:a16="http://schemas.microsoft.com/office/drawing/2014/main" id="{3CA2A5D8-B81E-4B7B-F0A7-AD8F62DA3340}"/>
+              </a:ext>
+            </a:extLst>
+          </p:cNvPr>
+          <p:cNvSpPr>
+            <a:spLocks noGrp="1"/>
+          </p:cNvSpPr>
+          <p:nvPr>
+            <p:ph type="title"/>
+          </p:nvPr>
+        </p:nvSpPr>
+        <p:spPr/>
+        <p:txBody>
+          <a:bodyPr/>
+          <a:lstStyle/>
+          <a:p>
+            <a:r>
+              <a:rPr lang="en-US" dirty="0"/>
+              <a:t>Use Case #3</a:t>
+            </a:r>
+          </a:p>
+        </p:txBody>
+      </p:sp>
+      <p:sp>
+        <p:nvSpPr>
+          <p:cNvPr id="3" name="Content Placeholder 2">
+            <a:extLst>
+              <a:ext uri="{FF2B5EF4-FFF2-40B4-BE49-F238E27FC236}">
+                <a16:creationId xmlns:a16="http://schemas.microsoft.com/office/drawing/2014/main" id="{5336A67C-2E6B-A0F9-B74E-4DC48AB7F1BA}"/>
+              </a:ext>
+            </a:extLst>
+          </p:cNvPr>
+          <p:cNvSpPr>
+            <a:spLocks noGrp="1"/>
+          </p:cNvSpPr>
+          <p:nvPr>
+            <p:ph idx="1"/>
+          </p:nvPr>
+        </p:nvSpPr>
+        <p:spPr/>
+        <p:txBody>
+          <a:bodyPr/>
+          <a:lstStyle/>
+          <a:p>
+            <a:r>
+              <a:rPr lang="en-US" dirty="0"/>
+              <a:t>A student has just taken his history final exam and got an 85. He created a deck for review a week before the exam. The student is done for the year and decides he doesn’t need his materials for the class anymore. He logs in with his credentials and at the homepage finds the deck titled History Final. He then presses the x at the top right corner of the deck deleting the flashcard deck for that class.</a:t>
+            </a:r>
+          </a:p>
+        </p:txBody>
+      </p:sp>
+    </p:spTree>
+    <p:extLst>
+      <p:ext uri="{BB962C8B-B14F-4D97-AF65-F5344CB8AC3E}">
+        <p14:creationId xmlns:p14="http://schemas.microsoft.com/office/powerpoint/2010/main" val="1804042020"/>
+      </p:ext>
+    </p:extLst>
+  </p:cSld>
+  <p:clrMapOvr>
+    <a:masterClrMapping/>
+  </p:clrMapOvr>
+</p:sld>
+</file>
+
+<file path=ppt/slides/slide2.xml><?xml version="1.0" encoding="utf-8"?>
+<p:sld xmlns:a="http://schemas.openxmlformats.org/drawingml/2006/main" xmlns:r="http://schemas.openxmlformats.org/officeDocument/2006/relationships" xmlns:p="http://schemas.openxmlformats.org/presentationml/2006/main">
+  <p:cSld>
+    <p:spTree>
+      <p:nvGrpSpPr>
+        <p:cNvPr id="1" name=""/>
+        <p:cNvGrpSpPr/>
+        <p:nvPr/>
+      </p:nvGrpSpPr>
+      <p:grpSpPr>
+        <a:xfrm>
+          <a:off x="0" y="0"/>
+          <a:ext cx="0" cy="0"/>
+          <a:chOff x="0" y="0"/>
+          <a:chExt cx="0" cy="0"/>
+        </a:xfrm>
+      </p:grpSpPr>
+      <p:sp>
+        <p:nvSpPr>
+          <p:cNvPr id="2" name="Title 1">
+            <a:extLst>
+              <a:ext uri="{FF2B5EF4-FFF2-40B4-BE49-F238E27FC236}">
+                <a16:creationId xmlns:a16="http://schemas.microsoft.com/office/drawing/2014/main" id="{A795745C-1C95-AA5F-1C55-40710B175682}"/>
+              </a:ext>
+            </a:extLst>
+          </p:cNvPr>
+          <p:cNvSpPr>
+            <a:spLocks noGrp="1"/>
+          </p:cNvSpPr>
+          <p:nvPr>
+            <p:ph type="title"/>
+          </p:nvPr>
+        </p:nvSpPr>
+        <p:spPr/>
+        <p:txBody>
+          <a:bodyPr/>
+          <a:lstStyle/>
+          <a:p>
+            <a:r>
+              <a:rPr lang="en-US" dirty="0"/>
+              <a:t>Abstract</a:t>
+            </a:r>
+          </a:p>
+        </p:txBody>
+      </p:sp>
+      <p:sp>
+        <p:nvSpPr>
+          <p:cNvPr id="3" name="Content Placeholder 2">
+            <a:extLst>
+              <a:ext uri="{FF2B5EF4-FFF2-40B4-BE49-F238E27FC236}">
+                <a16:creationId xmlns:a16="http://schemas.microsoft.com/office/drawing/2014/main" id="{417223A6-25BB-FB22-B717-0A359B121A3B}"/>
+              </a:ext>
+            </a:extLst>
+          </p:cNvPr>
+          <p:cNvSpPr>
+            <a:spLocks noGrp="1"/>
+          </p:cNvSpPr>
+          <p:nvPr>
+            <p:ph idx="1"/>
+          </p:nvPr>
+        </p:nvSpPr>
+        <p:spPr/>
+        <p:txBody>
+          <a:bodyPr/>
+          <a:lstStyle/>
+          <a:p>
+            <a:pPr marL="0" indent="0">
+              <a:buNone/>
+            </a:pPr>
+            <a:r>
+              <a:rPr lang="en-US" dirty="0" err="1"/>
+              <a:t>MyStudies</a:t>
+            </a:r>
+            <a:r>
+              <a:rPr lang="en-US" dirty="0"/>
+              <a:t> is a website that helps students prepare for their academics and encourages productivity. </a:t>
+            </a:r>
+            <a:r>
+              <a:rPr lang="en-US" dirty="0" err="1"/>
+              <a:t>MyStudies</a:t>
+            </a:r>
+            <a:r>
+              <a:rPr lang="en-US" dirty="0"/>
+              <a:t> will allow students to create and review flashcard decks allowing them to curate their studies. The site will also have a bulletin feature that allows students to keep track of important deadlines and tasks. Students will also have the ability to log in and create a personal profile to represent their hobbies and interests. Overall this project will involve creating an intuitive frontend, designing a database to store student information such as decks, bulletin, profile, and creating a backend facilitate. </a:t>
+            </a:r>
+          </a:p>
+        </p:txBody>
+      </p:sp>
+    </p:spTree>
+    <p:extLst>
+      <p:ext uri="{BB962C8B-B14F-4D97-AF65-F5344CB8AC3E}">
+        <p14:creationId xmlns:p14="http://schemas.microsoft.com/office/powerpoint/2010/main" val="3911528875"/>
+      </p:ext>
+    </p:extLst>
+  </p:cSld>
+  <p:clrMapOvr>
+    <a:masterClrMapping/>
+  </p:clrMapOvr>
+</p:sld>
+</file>
+
+<file path=ppt/slides/slide3.xml><?xml version="1.0" encoding="utf-8"?>
+<p:sld xmlns:a="http://schemas.openxmlformats.org/drawingml/2006/main" xmlns:r="http://schemas.openxmlformats.org/officeDocument/2006/relationships" xmlns:p="http://schemas.openxmlformats.org/presentationml/2006/main">
+  <p:cSld>
+    <p:spTree>
+      <p:nvGrpSpPr>
+        <p:cNvPr id="1" name=""/>
+        <p:cNvGrpSpPr/>
+        <p:nvPr/>
+      </p:nvGrpSpPr>
+      <p:grpSpPr>
+        <a:xfrm>
+          <a:off x="0" y="0"/>
+          <a:ext cx="0" cy="0"/>
+          <a:chOff x="0" y="0"/>
+          <a:chExt cx="0" cy="0"/>
+        </a:xfrm>
+      </p:grpSpPr>
+      <p:sp>
+        <p:nvSpPr>
+          <p:cNvPr id="2" name="Title 1">
+            <a:extLst>
+              <a:ext uri="{FF2B5EF4-FFF2-40B4-BE49-F238E27FC236}">
+                <a16:creationId xmlns:a16="http://schemas.microsoft.com/office/drawing/2014/main" id="{F12B9B8E-64F1-5E83-EA10-23810FB81819}"/>
+              </a:ext>
+            </a:extLst>
+          </p:cNvPr>
+          <p:cNvSpPr>
+            <a:spLocks noGrp="1"/>
+          </p:cNvSpPr>
+          <p:nvPr>
+            <p:ph type="title"/>
+          </p:nvPr>
+        </p:nvSpPr>
+        <p:spPr/>
+        <p:txBody>
+          <a:bodyPr/>
+          <a:lstStyle/>
+          <a:p>
+            <a:r>
+              <a:rPr lang="en-US" dirty="0"/>
+              <a:t>Tools</a:t>
+            </a:r>
+          </a:p>
+        </p:txBody>
+      </p:sp>
+      <p:sp>
+        <p:nvSpPr>
+          <p:cNvPr id="3" name="Content Placeholder 2">
+            <a:extLst>
+              <a:ext uri="{FF2B5EF4-FFF2-40B4-BE49-F238E27FC236}">
+                <a16:creationId xmlns:a16="http://schemas.microsoft.com/office/drawing/2014/main" id="{9926B161-C62E-ED47-8E33-8C11FB520F4A}"/>
+              </a:ext>
+            </a:extLst>
+          </p:cNvPr>
+          <p:cNvSpPr>
+            <a:spLocks noGrp="1"/>
+          </p:cNvSpPr>
+          <p:nvPr>
+            <p:ph idx="1"/>
+          </p:nvPr>
+        </p:nvSpPr>
+        <p:spPr/>
+        <p:txBody>
+          <a:bodyPr/>
+          <a:lstStyle/>
+          <a:p>
+            <a:r>
+              <a:rPr lang="en-US" dirty="0" err="1"/>
+              <a:t>Javascript</a:t>
+            </a:r>
+            <a:endParaRPr lang="en-US" dirty="0"/>
+          </a:p>
+          <a:p>
+            <a:r>
+              <a:rPr lang="en-US" dirty="0"/>
+              <a:t>HTML</a:t>
+            </a:r>
+          </a:p>
+          <a:p>
+            <a:r>
+              <a:rPr lang="en-US" dirty="0"/>
+              <a:t>CSS</a:t>
+            </a:r>
+          </a:p>
+          <a:p>
+            <a:r>
+              <a:rPr lang="en-US" dirty="0"/>
+              <a:t>Git</a:t>
+            </a:r>
+          </a:p>
+          <a:p>
+            <a:r>
+              <a:rPr lang="en-US" dirty="0" err="1"/>
+              <a:t>Github</a:t>
+            </a:r>
+            <a:endParaRPr lang="en-US" dirty="0"/>
+          </a:p>
+          <a:p>
+            <a:r>
+              <a:rPr lang="en-US" dirty="0"/>
+              <a:t>Database (leaning towards MySQL)</a:t>
+            </a:r>
+          </a:p>
+        </p:txBody>
+      </p:sp>
+    </p:spTree>
+    <p:extLst>
+      <p:ext uri="{BB962C8B-B14F-4D97-AF65-F5344CB8AC3E}">
+        <p14:creationId xmlns:p14="http://schemas.microsoft.com/office/powerpoint/2010/main" val="4174269871"/>
+      </p:ext>
+    </p:extLst>
+  </p:cSld>
+  <p:clrMapOvr>
+    <a:masterClrMapping/>
+  </p:clrMapOvr>
+</p:sld>
+</file>
+
+<file path=ppt/slides/slide4.xml><?xml version="1.0" encoding="utf-8"?>
+<p:sld xmlns:a="http://schemas.openxmlformats.org/drawingml/2006/main" xmlns:r="http://schemas.openxmlformats.org/officeDocument/2006/relationships" xmlns:p="http://schemas.openxmlformats.org/presentationml/2006/main">
+  <p:cSld>
+    <p:spTree>
+      <p:nvGrpSpPr>
+        <p:cNvPr id="1" name=""/>
+        <p:cNvGrpSpPr/>
+        <p:nvPr/>
+      </p:nvGrpSpPr>
+      <p:grpSpPr>
+        <a:xfrm>
+          <a:off x="0" y="0"/>
+          <a:ext cx="0" cy="0"/>
+          <a:chOff x="0" y="0"/>
+          <a:chExt cx="0" cy="0"/>
+        </a:xfrm>
+      </p:grpSpPr>
+      <p:sp>
+        <p:nvSpPr>
+          <p:cNvPr id="2" name="Title 1">
+            <a:extLst>
+              <a:ext uri="{FF2B5EF4-FFF2-40B4-BE49-F238E27FC236}">
+                <a16:creationId xmlns:a16="http://schemas.microsoft.com/office/drawing/2014/main" id="{A687C922-76FC-9E2D-4627-D96F37BF5E67}"/>
+              </a:ext>
+            </a:extLst>
+          </p:cNvPr>
+          <p:cNvSpPr>
+            <a:spLocks noGrp="1"/>
+          </p:cNvSpPr>
+          <p:nvPr>
+            <p:ph type="title"/>
+          </p:nvPr>
+        </p:nvSpPr>
+        <p:spPr/>
+        <p:txBody>
+          <a:bodyPr/>
+          <a:lstStyle/>
+          <a:p>
+            <a:r>
+              <a:rPr lang="en-US" dirty="0"/>
+              <a:t>Project Repository and Board</a:t>
+            </a:r>
+          </a:p>
+        </p:txBody>
+      </p:sp>
+      <p:sp>
+        <p:nvSpPr>
+          <p:cNvPr id="3" name="Content Placeholder 2">
+            <a:extLst>
+              <a:ext uri="{FF2B5EF4-FFF2-40B4-BE49-F238E27FC236}">
+                <a16:creationId xmlns:a16="http://schemas.microsoft.com/office/drawing/2014/main" id="{F6CE0EA1-A307-2931-DC94-EFF30603849E}"/>
+              </a:ext>
+            </a:extLst>
+          </p:cNvPr>
+          <p:cNvSpPr>
+            <a:spLocks noGrp="1"/>
+          </p:cNvSpPr>
+          <p:nvPr>
+            <p:ph idx="1"/>
+          </p:nvPr>
+        </p:nvSpPr>
+        <p:spPr/>
+        <p:txBody>
+          <a:bodyPr/>
+          <a:lstStyle/>
+          <a:p>
+            <a:r>
+              <a:rPr lang="en-US" dirty="0">
+                <a:hlinkClick r:id="rId2"/>
+              </a:rPr>
+              <a:t>https://trello.com/b/5IXwlYMt/mystudies</a:t>
+            </a:r>
+            <a:endParaRPr lang="en-US" dirty="0"/>
+          </a:p>
+          <a:p>
+            <a:r>
+              <a:rPr lang="en-US" dirty="0">
+                <a:hlinkClick r:id="rId3"/>
+              </a:rPr>
+              <a:t>https://github.com/sfaruk2001/MyStudies</a:t>
+            </a:r>
+            <a:r>
+              <a:rPr lang="en-US" dirty="0"/>
+              <a:t> </a:t>
+            </a:r>
+          </a:p>
+        </p:txBody>
+      </p:sp>
+    </p:spTree>
+    <p:extLst>
+      <p:ext uri="{BB962C8B-B14F-4D97-AF65-F5344CB8AC3E}">
+        <p14:creationId xmlns:p14="http://schemas.microsoft.com/office/powerpoint/2010/main" val="2756915725"/>
+      </p:ext>
+    </p:extLst>
+  </p:cSld>
+  <p:clrMapOvr>
+    <a:masterClrMapping/>
+  </p:clrMapOvr>
+</p:sld>
+</file>
+
+<file path=ppt/slides/slide5.xml><?xml version="1.0" encoding="utf-8"?>
+<p:sld xmlns:a="http://schemas.openxmlformats.org/drawingml/2006/main" xmlns:r="http://schemas.openxmlformats.org/officeDocument/2006/relationships" xmlns:p="http://schemas.openxmlformats.org/presentationml/2006/main">
+  <p:cSld>
+    <p:spTree>
+      <p:nvGrpSpPr>
+        <p:cNvPr id="1" name=""/>
+        <p:cNvGrpSpPr/>
+        <p:nvPr/>
+      </p:nvGrpSpPr>
+      <p:grpSpPr>
+        <a:xfrm>
+          <a:off x="0" y="0"/>
+          <a:ext cx="0" cy="0"/>
+          <a:chOff x="0" y="0"/>
+          <a:chExt cx="0" cy="0"/>
+        </a:xfrm>
+      </p:grpSpPr>
+      <p:sp>
+        <p:nvSpPr>
+          <p:cNvPr id="2" name="Title 1">
+            <a:extLst>
+              <a:ext uri="{FF2B5EF4-FFF2-40B4-BE49-F238E27FC236}">
+                <a16:creationId xmlns:a16="http://schemas.microsoft.com/office/drawing/2014/main" id="{3A4CA1F2-6690-724A-96C9-CC2748932ED0}"/>
+              </a:ext>
+            </a:extLst>
+          </p:cNvPr>
+          <p:cNvSpPr>
+            <a:spLocks noGrp="1"/>
+          </p:cNvSpPr>
+          <p:nvPr>
+            <p:ph type="title"/>
+          </p:nvPr>
+        </p:nvSpPr>
+        <p:spPr/>
+        <p:txBody>
+          <a:bodyPr/>
+          <a:lstStyle/>
+          <a:p>
+            <a:r>
+              <a:rPr lang="en-US" dirty="0"/>
+              <a:t>User Flow</a:t>
+            </a:r>
+          </a:p>
+        </p:txBody>
+      </p:sp>
+      <p:pic>
+        <p:nvPicPr>
+          <p:cNvPr id="17" name="Content Placeholder 16" descr="A diagram of a flowchart&#10;&#10;AI-generated content may be incorrect.">
+            <a:extLst>
+              <a:ext uri="{FF2B5EF4-FFF2-40B4-BE49-F238E27FC236}">
+                <a16:creationId xmlns:a16="http://schemas.microsoft.com/office/drawing/2014/main" id="{DFC3FE29-A598-3AAF-EA44-D06716558A9C}"/>
+              </a:ext>
+            </a:extLst>
+          </p:cNvPr>
+          <p:cNvPicPr>
+            <a:picLocks noGrp="1" noChangeAspect="1"/>
+          </p:cNvPicPr>
+          <p:nvPr>
+            <p:ph idx="1"/>
+          </p:nvPr>
+        </p:nvPicPr>
+        <p:blipFill>
+          <a:blip r:embed="rId2"/>
+          <a:stretch>
+            <a:fillRect/>
+          </a:stretch>
+        </p:blipFill>
+        <p:spPr>
+          <a:xfrm>
+            <a:off x="3168601" y="1293813"/>
+            <a:ext cx="5854797" cy="4883150"/>
+          </a:xfrm>
+        </p:spPr>
+      </p:pic>
+    </p:spTree>
+    <p:extLst>
+      <p:ext uri="{BB962C8B-B14F-4D97-AF65-F5344CB8AC3E}">
+        <p14:creationId xmlns:p14="http://schemas.microsoft.com/office/powerpoint/2010/main" val="2911008078"/>
+      </p:ext>
+    </p:extLst>
+  </p:cSld>
+  <p:clrMapOvr>
+    <a:masterClrMapping/>
+  </p:clrMapOvr>
+</p:sld>
+</file>
+
+<file path=ppt/slides/slide6.xml><?xml version="1.0" encoding="utf-8"?>
+<p:sld xmlns:a="http://schemas.openxmlformats.org/drawingml/2006/main" xmlns:r="http://schemas.openxmlformats.org/officeDocument/2006/relationships" xmlns:p="http://schemas.openxmlformats.org/presentationml/2006/main">
+  <p:cSld>
+    <p:spTree>
+      <p:nvGrpSpPr>
+        <p:cNvPr id="1" name=""/>
+        <p:cNvGrpSpPr/>
+        <p:nvPr/>
+      </p:nvGrpSpPr>
+      <p:grpSpPr>
+        <a:xfrm>
+          <a:off x="0" y="0"/>
+          <a:ext cx="0" cy="0"/>
+          <a:chOff x="0" y="0"/>
+          <a:chExt cx="0" cy="0"/>
+        </a:xfrm>
+      </p:grpSpPr>
+      <p:sp>
+        <p:nvSpPr>
+          <p:cNvPr id="2" name="Title 1">
+            <a:extLst>
+              <a:ext uri="{FF2B5EF4-FFF2-40B4-BE49-F238E27FC236}">
+                <a16:creationId xmlns:a16="http://schemas.microsoft.com/office/drawing/2014/main" id="{EB00B0C5-2145-44A8-1BC8-35B4911E5712}"/>
+              </a:ext>
+            </a:extLst>
+          </p:cNvPr>
+          <p:cNvSpPr>
+            <a:spLocks noGrp="1"/>
+          </p:cNvSpPr>
+          <p:nvPr>
+            <p:ph type="title"/>
+          </p:nvPr>
+        </p:nvSpPr>
+        <p:spPr/>
+        <p:txBody>
+          <a:bodyPr/>
+          <a:lstStyle/>
+          <a:p>
+            <a:r>
+              <a:rPr lang="en-US" dirty="0"/>
+              <a:t>Homepage Wireframe</a:t>
+            </a:r>
+          </a:p>
+        </p:txBody>
+      </p:sp>
+      <p:pic>
+        <p:nvPicPr>
+          <p:cNvPr id="5" name="Content Placeholder 4" descr="A screenshot of a web page&#10;&#10;AI-generated content may be incorrect.">
+            <a:extLst>
+              <a:ext uri="{FF2B5EF4-FFF2-40B4-BE49-F238E27FC236}">
+                <a16:creationId xmlns:a16="http://schemas.microsoft.com/office/drawing/2014/main" id="{02329A2F-66A2-ED43-CC6F-7E12C25EAC72}"/>
+              </a:ext>
+            </a:extLst>
+          </p:cNvPr>
+          <p:cNvPicPr>
+            <a:picLocks noGrp="1" noChangeAspect="1"/>
+          </p:cNvPicPr>
+          <p:nvPr>
+            <p:ph idx="1"/>
+          </p:nvPr>
+        </p:nvPicPr>
+        <p:blipFill>
+          <a:blip r:embed="rId2"/>
+          <a:stretch>
+            <a:fillRect/>
+          </a:stretch>
+        </p:blipFill>
+        <p:spPr>
+          <a:xfrm>
+            <a:off x="3131443" y="1825625"/>
+            <a:ext cx="5929113" cy="4351338"/>
+          </a:xfrm>
+        </p:spPr>
+      </p:pic>
+    </p:spTree>
+    <p:extLst>
+      <p:ext uri="{BB962C8B-B14F-4D97-AF65-F5344CB8AC3E}">
+        <p14:creationId xmlns:p14="http://schemas.microsoft.com/office/powerpoint/2010/main" val="741579544"/>
+      </p:ext>
+    </p:extLst>
+  </p:cSld>
+  <p:clrMapOvr>
+    <a:masterClrMapping/>
+  </p:clrMapOvr>
+</p:sld>
+</file>
+
+<file path=ppt/slides/slide7.xml><?xml version="1.0" encoding="utf-8"?>
+<p:sld xmlns:a="http://schemas.openxmlformats.org/drawingml/2006/main" xmlns:r="http://schemas.openxmlformats.org/officeDocument/2006/relationships" xmlns:p="http://schemas.openxmlformats.org/presentationml/2006/main">
+  <p:cSld>
+    <p:spTree>
+      <p:nvGrpSpPr>
+        <p:cNvPr id="1" name=""/>
+        <p:cNvGrpSpPr/>
+        <p:nvPr/>
+      </p:nvGrpSpPr>
+      <p:grpSpPr>
+        <a:xfrm>
+          <a:off x="0" y="0"/>
+          <a:ext cx="0" cy="0"/>
+          <a:chOff x="0" y="0"/>
+          <a:chExt cx="0" cy="0"/>
+        </a:xfrm>
+      </p:grpSpPr>
+      <p:sp>
+        <p:nvSpPr>
+          <p:cNvPr id="2" name="Title 1">
+            <a:extLst>
+              <a:ext uri="{FF2B5EF4-FFF2-40B4-BE49-F238E27FC236}">
+                <a16:creationId xmlns:a16="http://schemas.microsoft.com/office/drawing/2014/main" id="{F55F0267-AB95-CFB7-411E-08AD1A35D3FB}"/>
+              </a:ext>
+            </a:extLst>
+          </p:cNvPr>
+          <p:cNvSpPr>
+            <a:spLocks noGrp="1"/>
+          </p:cNvSpPr>
+          <p:nvPr>
+            <p:ph type="title"/>
+          </p:nvPr>
+        </p:nvSpPr>
+        <p:spPr/>
+        <p:txBody>
+          <a:bodyPr/>
+          <a:lstStyle/>
+          <a:p>
+            <a:r>
+              <a:rPr lang="en-US" dirty="0"/>
+              <a:t>Bulletin Wireframe</a:t>
+            </a:r>
+          </a:p>
+        </p:txBody>
+      </p:sp>
+      <p:pic>
+        <p:nvPicPr>
+          <p:cNvPr id="5" name="Content Placeholder 4" descr="What the UI of my Bulletin page will look like. ">
+            <a:extLst>
+              <a:ext uri="{FF2B5EF4-FFF2-40B4-BE49-F238E27FC236}">
+                <a16:creationId xmlns:a16="http://schemas.microsoft.com/office/drawing/2014/main" id="{8D737695-5CC0-CDC0-8909-344015765294}"/>
+              </a:ext>
+            </a:extLst>
+          </p:cNvPr>
+          <p:cNvPicPr>
+            <a:picLocks noGrp="1" noChangeAspect="1"/>
+          </p:cNvPicPr>
+          <p:nvPr>
+            <p:ph idx="1"/>
+          </p:nvPr>
+        </p:nvPicPr>
+        <p:blipFill>
+          <a:blip r:embed="rId2"/>
+          <a:stretch>
+            <a:fillRect/>
+          </a:stretch>
+        </p:blipFill>
+        <p:spPr>
+          <a:xfrm>
+            <a:off x="3832182" y="1825625"/>
+            <a:ext cx="4527635" cy="4351338"/>
+          </a:xfrm>
+        </p:spPr>
+      </p:pic>
+    </p:spTree>
+    <p:extLst>
+      <p:ext uri="{BB962C8B-B14F-4D97-AF65-F5344CB8AC3E}">
+        <p14:creationId xmlns:p14="http://schemas.microsoft.com/office/powerpoint/2010/main" val="3285411443"/>
+      </p:ext>
+    </p:extLst>
+  </p:cSld>
+  <p:clrMapOvr>
+    <a:masterClrMapping/>
+  </p:clrMapOvr>
+</p:sld>
+</file>
+
 <file path=ppt/slides/slide8.xml><?xml version="1.0" encoding="utf-8"?>
 <p:sld xmlns:a="http://schemas.openxmlformats.org/drawingml/2006/main" xmlns:r="http://schemas.openxmlformats.org/officeDocument/2006/relationships" xmlns:p="http://schemas.openxmlformats.org/presentationml/2006/main">
   <p:cSld>
@@ -4530,7 +4812,7 @@
           <p:cNvPr id="2" name="Title 1">
             <a:extLst>
               <a:ext uri="{FF2B5EF4-FFF2-40B4-BE49-F238E27FC236}">
-                <a16:creationId xmlns:a16="http://schemas.microsoft.com/office/drawing/2014/main" id="{5B25892B-2D2F-A0FE-A7CD-632FCDFC1580}"/>
+                <a16:creationId xmlns:a16="http://schemas.microsoft.com/office/drawing/2014/main" id="{74B73D6E-B3E4-B811-8890-738230B4892D}"/>
               </a:ext>
             </a:extLst>
           </p:cNvPr>
@@ -4548,49 +4830,44 @@
           <a:p>
             <a:r>
               <a:rPr lang="en-US" dirty="0"/>
-              <a:t>Will I use any Datasets?</a:t>
-            </a:r>
-          </a:p>
-        </p:txBody>
-      </p:sp>
-      <p:sp>
-        <p:nvSpPr>
-          <p:cNvPr id="3" name="Content Placeholder 2">
-            <a:extLst>
-              <a:ext uri="{FF2B5EF4-FFF2-40B4-BE49-F238E27FC236}">
-                <a16:creationId xmlns:a16="http://schemas.microsoft.com/office/drawing/2014/main" id="{7A5B4583-A045-E52D-60E3-883CF2117E5E}"/>
-              </a:ext>
-            </a:extLst>
-          </p:cNvPr>
-          <p:cNvSpPr>
-            <a:spLocks noGrp="1"/>
-          </p:cNvSpPr>
+              <a:t>Profile Wireframe</a:t>
+            </a:r>
+          </a:p>
+        </p:txBody>
+      </p:sp>
+      <p:pic>
+        <p:nvPicPr>
+          <p:cNvPr id="5" name="Content Placeholder 4" descr="A screenshot of a computer&#10;&#10;AI-generated content may be incorrect.">
+            <a:extLst>
+              <a:ext uri="{FF2B5EF4-FFF2-40B4-BE49-F238E27FC236}">
+                <a16:creationId xmlns:a16="http://schemas.microsoft.com/office/drawing/2014/main" id="{1D377779-D3C8-A9F5-6A20-7F6D8ADF64A0}"/>
+              </a:ext>
+            </a:extLst>
+          </p:cNvPr>
+          <p:cNvPicPr>
+            <a:picLocks noGrp="1" noChangeAspect="1"/>
+          </p:cNvPicPr>
           <p:nvPr>
             <p:ph idx="1"/>
           </p:nvPr>
-        </p:nvSpPr>
-        <p:spPr/>
-        <p:txBody>
-          <a:bodyPr/>
-          <a:lstStyle/>
-          <a:p>
-            <a:r>
-              <a:rPr lang="en-US" dirty="0"/>
-              <a:t>Most likely no. Most of the data will probably be created by me and inserted into a database.</a:t>
-            </a:r>
-          </a:p>
-          <a:p>
-            <a:r>
-              <a:rPr lang="en-US" dirty="0"/>
-              <a:t>My database will store dummy users and their flashcard decks, bulletin posts, and profile information.</a:t>
-            </a:r>
-          </a:p>
-        </p:txBody>
-      </p:sp>
+        </p:nvPicPr>
+        <p:blipFill>
+          <a:blip r:embed="rId2"/>
+          <a:stretch>
+            <a:fillRect/>
+          </a:stretch>
+        </p:blipFill>
+        <p:spPr>
+          <a:xfrm>
+            <a:off x="2719668" y="1825625"/>
+            <a:ext cx="6752663" cy="4351338"/>
+          </a:xfrm>
+        </p:spPr>
+      </p:pic>
     </p:spTree>
     <p:extLst>
       <p:ext uri="{BB962C8B-B14F-4D97-AF65-F5344CB8AC3E}">
-        <p14:creationId xmlns:p14="http://schemas.microsoft.com/office/powerpoint/2010/main" val="3185255996"/>
+        <p14:creationId xmlns:p14="http://schemas.microsoft.com/office/powerpoint/2010/main" val="3661604359"/>
       </p:ext>
     </p:extLst>
   </p:cSld>
@@ -4622,7 +4899,7 @@
           <p:cNvPr id="2" name="Title 1">
             <a:extLst>
               <a:ext uri="{FF2B5EF4-FFF2-40B4-BE49-F238E27FC236}">
-                <a16:creationId xmlns:a16="http://schemas.microsoft.com/office/drawing/2014/main" id="{DE1503D1-C320-6950-CE28-70CC52A74EE4}"/>
+                <a16:creationId xmlns:a16="http://schemas.microsoft.com/office/drawing/2014/main" id="{34D8EF66-90EC-EE39-14CD-0D2110742D63}"/>
               </a:ext>
             </a:extLst>
           </p:cNvPr>
@@ -4640,43 +4917,44 @@
           <a:p>
             <a:r>
               <a:rPr lang="en-US" dirty="0"/>
-              <a:t>Use Case #1</a:t>
-            </a:r>
-          </a:p>
-        </p:txBody>
-      </p:sp>
-      <p:sp>
-        <p:nvSpPr>
-          <p:cNvPr id="3" name="Content Placeholder 2">
-            <a:extLst>
-              <a:ext uri="{FF2B5EF4-FFF2-40B4-BE49-F238E27FC236}">
-                <a16:creationId xmlns:a16="http://schemas.microsoft.com/office/drawing/2014/main" id="{D6ED56F3-6897-C646-F4D2-9B6C28C16DAC}"/>
-              </a:ext>
-            </a:extLst>
-          </p:cNvPr>
-          <p:cNvSpPr>
-            <a:spLocks noGrp="1"/>
-          </p:cNvSpPr>
+              <a:t>About us Wireframe</a:t>
+            </a:r>
+          </a:p>
+        </p:txBody>
+      </p:sp>
+      <p:pic>
+        <p:nvPicPr>
+          <p:cNvPr id="5" name="Content Placeholder 4" descr="A screenshot of a computer&#10;&#10;AI-generated content may be incorrect.">
+            <a:extLst>
+              <a:ext uri="{FF2B5EF4-FFF2-40B4-BE49-F238E27FC236}">
+                <a16:creationId xmlns:a16="http://schemas.microsoft.com/office/drawing/2014/main" id="{16677C13-CA96-2340-AB69-E6811B6489AF}"/>
+              </a:ext>
+            </a:extLst>
+          </p:cNvPr>
+          <p:cNvPicPr>
+            <a:picLocks noGrp="1" noChangeAspect="1"/>
+          </p:cNvPicPr>
           <p:nvPr>
             <p:ph idx="1"/>
           </p:nvPr>
-        </p:nvSpPr>
-        <p:spPr/>
-        <p:txBody>
-          <a:bodyPr/>
-          <a:lstStyle/>
-          <a:p>
-            <a:r>
-              <a:rPr lang="en-US" dirty="0"/>
-              <a:t>Scenario 1: A student will want to review flashcards for a history exam. The student will log in with their proper credentials and in the homepage click the plus button. A modal will pop up and take in definitions and terms inputted from the user in a form. Once submitted a deck object containing the terms will appear on the homepage. The student will click the matching game in the deck container to test themselves.</a:t>
-            </a:r>
-          </a:p>
-        </p:txBody>
-      </p:sp>
+        </p:nvPicPr>
+        <p:blipFill>
+          <a:blip r:embed="rId2"/>
+          <a:stretch>
+            <a:fillRect/>
+          </a:stretch>
+        </p:blipFill>
+        <p:spPr>
+          <a:xfrm>
+            <a:off x="2340879" y="1825625"/>
+            <a:ext cx="7510242" cy="4351338"/>
+          </a:xfrm>
+        </p:spPr>
+      </p:pic>
     </p:spTree>
     <p:extLst>
       <p:ext uri="{BB962C8B-B14F-4D97-AF65-F5344CB8AC3E}">
-        <p14:creationId xmlns:p14="http://schemas.microsoft.com/office/powerpoint/2010/main" val="3043498632"/>
+        <p14:creationId xmlns:p14="http://schemas.microsoft.com/office/powerpoint/2010/main" val="3613504849"/>
       </p:ext>
     </p:extLst>
   </p:cSld>

--- a/Design_Doc_MyStudies.pptx
+++ b/Design_Doc_MyStudies.pptx
@@ -10,15 +10,16 @@
     <p:sldId id="258" r:id="rId4"/>
     <p:sldId id="267" r:id="rId5"/>
     <p:sldId id="259" r:id="rId6"/>
-    <p:sldId id="263" r:id="rId7"/>
-    <p:sldId id="264" r:id="rId8"/>
-    <p:sldId id="268" r:id="rId9"/>
-    <p:sldId id="269" r:id="rId10"/>
-    <p:sldId id="260" r:id="rId11"/>
-    <p:sldId id="261" r:id="rId12"/>
-    <p:sldId id="262" r:id="rId13"/>
-    <p:sldId id="265" r:id="rId14"/>
-    <p:sldId id="266" r:id="rId15"/>
+    <p:sldId id="270" r:id="rId7"/>
+    <p:sldId id="263" r:id="rId8"/>
+    <p:sldId id="264" r:id="rId9"/>
+    <p:sldId id="268" r:id="rId10"/>
+    <p:sldId id="269" r:id="rId11"/>
+    <p:sldId id="260" r:id="rId12"/>
+    <p:sldId id="261" r:id="rId13"/>
+    <p:sldId id="262" r:id="rId14"/>
+    <p:sldId id="265" r:id="rId15"/>
+    <p:sldId id="266" r:id="rId16"/>
   </p:sldIdLst>
   <p:sldSz cx="12192000" cy="6858000"/>
   <p:notesSz cx="6858000" cy="9144000"/>
@@ -272,7 +273,7 @@
           <a:p>
             <a:fld id="{48A87A34-81AB-432B-8DAE-1953F412C126}" type="datetimeFigureOut">
               <a:rPr lang="en-US" smtClean="0"/>
-              <a:t>2/22/25</a:t>
+              <a:t>3/18/25</a:t>
             </a:fld>
             <a:endParaRPr lang="en-US" dirty="0"/>
           </a:p>
@@ -470,7 +471,7 @@
           <a:p>
             <a:fld id="{48A87A34-81AB-432B-8DAE-1953F412C126}" type="datetimeFigureOut">
               <a:rPr lang="en-US" smtClean="0"/>
-              <a:t>2/22/25</a:t>
+              <a:t>3/18/25</a:t>
             </a:fld>
             <a:endParaRPr lang="en-US" dirty="0"/>
           </a:p>
@@ -678,7 +679,7 @@
           <a:p>
             <a:fld id="{48A87A34-81AB-432B-8DAE-1953F412C126}" type="datetimeFigureOut">
               <a:rPr lang="en-US" smtClean="0"/>
-              <a:t>2/22/25</a:t>
+              <a:t>3/18/25</a:t>
             </a:fld>
             <a:endParaRPr lang="en-US" dirty="0"/>
           </a:p>
@@ -876,7 +877,7 @@
           <a:p>
             <a:fld id="{48A87A34-81AB-432B-8DAE-1953F412C126}" type="datetimeFigureOut">
               <a:rPr lang="en-US" smtClean="0"/>
-              <a:t>2/22/25</a:t>
+              <a:t>3/18/25</a:t>
             </a:fld>
             <a:endParaRPr lang="en-US" dirty="0"/>
           </a:p>
@@ -1151,7 +1152,7 @@
           <a:p>
             <a:fld id="{48A87A34-81AB-432B-8DAE-1953F412C126}" type="datetimeFigureOut">
               <a:rPr lang="en-US" smtClean="0"/>
-              <a:t>2/22/25</a:t>
+              <a:t>3/18/25</a:t>
             </a:fld>
             <a:endParaRPr lang="en-US" dirty="0"/>
           </a:p>
@@ -1416,7 +1417,7 @@
           <a:p>
             <a:fld id="{48A87A34-81AB-432B-8DAE-1953F412C126}" type="datetimeFigureOut">
               <a:rPr lang="en-US" smtClean="0"/>
-              <a:t>2/22/25</a:t>
+              <a:t>3/18/25</a:t>
             </a:fld>
             <a:endParaRPr lang="en-US" dirty="0"/>
           </a:p>
@@ -1829,7 +1830,7 @@
             <a:fld id="{48A87A34-81AB-432B-8DAE-1953F412C126}" type="datetimeFigureOut">
               <a:rPr lang="en-US" smtClean="0"/>
               <a:pPr/>
-              <a:t>2/22/25</a:t>
+              <a:t>3/18/25</a:t>
             </a:fld>
             <a:endParaRPr lang="en-US" dirty="0"/>
           </a:p>
@@ -1971,7 +1972,7 @@
           <a:p>
             <a:fld id="{48A87A34-81AB-432B-8DAE-1953F412C126}" type="datetimeFigureOut">
               <a:rPr lang="en-US" smtClean="0"/>
-              <a:t>2/22/25</a:t>
+              <a:t>3/18/25</a:t>
             </a:fld>
             <a:endParaRPr lang="en-US" dirty="0"/>
           </a:p>
@@ -2084,7 +2085,7 @@
           <a:p>
             <a:fld id="{48A87A34-81AB-432B-8DAE-1953F412C126}" type="datetimeFigureOut">
               <a:rPr lang="en-US" smtClean="0"/>
-              <a:t>2/22/25</a:t>
+              <a:t>3/18/25</a:t>
             </a:fld>
             <a:endParaRPr lang="en-US" dirty="0"/>
           </a:p>
@@ -2395,7 +2396,7 @@
           <a:p>
             <a:fld id="{48A87A34-81AB-432B-8DAE-1953F412C126}" type="datetimeFigureOut">
               <a:rPr lang="en-US" smtClean="0"/>
-              <a:t>2/22/25</a:t>
+              <a:t>3/18/25</a:t>
             </a:fld>
             <a:endParaRPr lang="en-US" dirty="0"/>
           </a:p>
@@ -2684,7 +2685,7 @@
             <a:fld id="{48A87A34-81AB-432B-8DAE-1953F412C126}" type="datetimeFigureOut">
               <a:rPr lang="en-US" smtClean="0"/>
               <a:pPr/>
-              <a:t>2/22/25</a:t>
+              <a:t>3/18/25</a:t>
             </a:fld>
             <a:endParaRPr lang="en-US" dirty="0"/>
           </a:p>
@@ -2926,7 +2927,7 @@
             <a:fld id="{48A87A34-81AB-432B-8DAE-1953F412C126}" type="datetimeFigureOut">
               <a:rPr lang="en-US" smtClean="0"/>
               <a:pPr/>
-              <a:t>2/22/25</a:t>
+              <a:t>3/18/25</a:t>
             </a:fld>
             <a:endParaRPr lang="en-US" dirty="0"/>
           </a:p>
@@ -3439,6 +3440,93 @@
 </file>
 
 <file path=ppt/slides/slide10.xml><?xml version="1.0" encoding="utf-8"?>
+<p:sld xmlns:a="http://schemas.openxmlformats.org/drawingml/2006/main" xmlns:r="http://schemas.openxmlformats.org/officeDocument/2006/relationships" xmlns:p="http://schemas.openxmlformats.org/presentationml/2006/main">
+  <p:cSld>
+    <p:spTree>
+      <p:nvGrpSpPr>
+        <p:cNvPr id="1" name=""/>
+        <p:cNvGrpSpPr/>
+        <p:nvPr/>
+      </p:nvGrpSpPr>
+      <p:grpSpPr>
+        <a:xfrm>
+          <a:off x="0" y="0"/>
+          <a:ext cx="0" cy="0"/>
+          <a:chOff x="0" y="0"/>
+          <a:chExt cx="0" cy="0"/>
+        </a:xfrm>
+      </p:grpSpPr>
+      <p:sp>
+        <p:nvSpPr>
+          <p:cNvPr id="2" name="Title 1">
+            <a:extLst>
+              <a:ext uri="{FF2B5EF4-FFF2-40B4-BE49-F238E27FC236}">
+                <a16:creationId xmlns:a16="http://schemas.microsoft.com/office/drawing/2014/main" id="{34D8EF66-90EC-EE39-14CD-0D2110742D63}"/>
+              </a:ext>
+            </a:extLst>
+          </p:cNvPr>
+          <p:cNvSpPr>
+            <a:spLocks noGrp="1"/>
+          </p:cNvSpPr>
+          <p:nvPr>
+            <p:ph type="title"/>
+          </p:nvPr>
+        </p:nvSpPr>
+        <p:spPr/>
+        <p:txBody>
+          <a:bodyPr/>
+          <a:lstStyle/>
+          <a:p>
+            <a:r>
+              <a:rPr lang="en-US" dirty="0"/>
+              <a:t>About us Wireframe</a:t>
+            </a:r>
+          </a:p>
+        </p:txBody>
+      </p:sp>
+      <p:pic>
+        <p:nvPicPr>
+          <p:cNvPr id="5" name="Content Placeholder 4" descr="A screenshot of a computer&#10;&#10;AI-generated content may be incorrect.">
+            <a:extLst>
+              <a:ext uri="{FF2B5EF4-FFF2-40B4-BE49-F238E27FC236}">
+                <a16:creationId xmlns:a16="http://schemas.microsoft.com/office/drawing/2014/main" id="{16677C13-CA96-2340-AB69-E6811B6489AF}"/>
+              </a:ext>
+            </a:extLst>
+          </p:cNvPr>
+          <p:cNvPicPr>
+            <a:picLocks noGrp="1" noChangeAspect="1"/>
+          </p:cNvPicPr>
+          <p:nvPr>
+            <p:ph idx="1"/>
+          </p:nvPr>
+        </p:nvPicPr>
+        <p:blipFill>
+          <a:blip r:embed="rId2"/>
+          <a:stretch>
+            <a:fillRect/>
+          </a:stretch>
+        </p:blipFill>
+        <p:spPr>
+          <a:xfrm>
+            <a:off x="2340879" y="1825625"/>
+            <a:ext cx="7510242" cy="4351338"/>
+          </a:xfrm>
+        </p:spPr>
+      </p:pic>
+    </p:spTree>
+    <p:extLst>
+      <p:ext uri="{BB962C8B-B14F-4D97-AF65-F5344CB8AC3E}">
+        <p14:creationId xmlns:p14="http://schemas.microsoft.com/office/powerpoint/2010/main" val="3613504849"/>
+      </p:ext>
+    </p:extLst>
+  </p:cSld>
+  <p:clrMapOvr>
+    <a:masterClrMapping/>
+  </p:clrMapOvr>
+</p:sld>
+</file>
+
+<file path=ppt/slides/slide11.xml><?xml version="1.0" encoding="utf-8"?>
 <p:sld xmlns:a="http://schemas.openxmlformats.org/drawingml/2006/main" xmlns:r="http://schemas.openxmlformats.org/officeDocument/2006/relationships" xmlns:p="http://schemas.openxmlformats.org/presentationml/2006/main">
   <p:cSld>
     <p:spTree>
@@ -3859,98 +3947,6 @@
 </p:sld>
 </file>
 
-<file path=ppt/slides/slide11.xml><?xml version="1.0" encoding="utf-8"?>
-<p:sld xmlns:a="http://schemas.openxmlformats.org/drawingml/2006/main" xmlns:r="http://schemas.openxmlformats.org/officeDocument/2006/relationships" xmlns:p="http://schemas.openxmlformats.org/presentationml/2006/main">
-  <p:cSld>
-    <p:spTree>
-      <p:nvGrpSpPr>
-        <p:cNvPr id="1" name=""/>
-        <p:cNvGrpSpPr/>
-        <p:nvPr/>
-      </p:nvGrpSpPr>
-      <p:grpSpPr>
-        <a:xfrm>
-          <a:off x="0" y="0"/>
-          <a:ext cx="0" cy="0"/>
-          <a:chOff x="0" y="0"/>
-          <a:chExt cx="0" cy="0"/>
-        </a:xfrm>
-      </p:grpSpPr>
-      <p:sp>
-        <p:nvSpPr>
-          <p:cNvPr id="2" name="Title 1">
-            <a:extLst>
-              <a:ext uri="{FF2B5EF4-FFF2-40B4-BE49-F238E27FC236}">
-                <a16:creationId xmlns:a16="http://schemas.microsoft.com/office/drawing/2014/main" id="{5B25892B-2D2F-A0FE-A7CD-632FCDFC1580}"/>
-              </a:ext>
-            </a:extLst>
-          </p:cNvPr>
-          <p:cNvSpPr>
-            <a:spLocks noGrp="1"/>
-          </p:cNvSpPr>
-          <p:nvPr>
-            <p:ph type="title"/>
-          </p:nvPr>
-        </p:nvSpPr>
-        <p:spPr/>
-        <p:txBody>
-          <a:bodyPr/>
-          <a:lstStyle/>
-          <a:p>
-            <a:r>
-              <a:rPr lang="en-US" dirty="0"/>
-              <a:t>Will I use any Datasets?</a:t>
-            </a:r>
-          </a:p>
-        </p:txBody>
-      </p:sp>
-      <p:sp>
-        <p:nvSpPr>
-          <p:cNvPr id="3" name="Content Placeholder 2">
-            <a:extLst>
-              <a:ext uri="{FF2B5EF4-FFF2-40B4-BE49-F238E27FC236}">
-                <a16:creationId xmlns:a16="http://schemas.microsoft.com/office/drawing/2014/main" id="{7A5B4583-A045-E52D-60E3-883CF2117E5E}"/>
-              </a:ext>
-            </a:extLst>
-          </p:cNvPr>
-          <p:cNvSpPr>
-            <a:spLocks noGrp="1"/>
-          </p:cNvSpPr>
-          <p:nvPr>
-            <p:ph idx="1"/>
-          </p:nvPr>
-        </p:nvSpPr>
-        <p:spPr/>
-        <p:txBody>
-          <a:bodyPr/>
-          <a:lstStyle/>
-          <a:p>
-            <a:r>
-              <a:rPr lang="en-US" dirty="0"/>
-              <a:t>Most likely no. Most of the data will probably be created by me and inserted into a database.</a:t>
-            </a:r>
-          </a:p>
-          <a:p>
-            <a:r>
-              <a:rPr lang="en-US" dirty="0"/>
-              <a:t>My database will store dummy users and their flashcard decks, bulletin posts, and profile information.</a:t>
-            </a:r>
-          </a:p>
-        </p:txBody>
-      </p:sp>
-    </p:spTree>
-    <p:extLst>
-      <p:ext uri="{BB962C8B-B14F-4D97-AF65-F5344CB8AC3E}">
-        <p14:creationId xmlns:p14="http://schemas.microsoft.com/office/powerpoint/2010/main" val="3185255996"/>
-      </p:ext>
-    </p:extLst>
-  </p:cSld>
-  <p:clrMapOvr>
-    <a:masterClrMapping/>
-  </p:clrMapOvr>
-</p:sld>
-</file>
-
 <file path=ppt/slides/slide12.xml><?xml version="1.0" encoding="utf-8"?>
 <p:sld xmlns:a="http://schemas.openxmlformats.org/drawingml/2006/main" xmlns:r="http://schemas.openxmlformats.org/officeDocument/2006/relationships" xmlns:p="http://schemas.openxmlformats.org/presentationml/2006/main">
   <p:cSld>
@@ -3973,7 +3969,7 @@
           <p:cNvPr id="2" name="Title 1">
             <a:extLst>
               <a:ext uri="{FF2B5EF4-FFF2-40B4-BE49-F238E27FC236}">
-                <a16:creationId xmlns:a16="http://schemas.microsoft.com/office/drawing/2014/main" id="{DE1503D1-C320-6950-CE28-70CC52A74EE4}"/>
+                <a16:creationId xmlns:a16="http://schemas.microsoft.com/office/drawing/2014/main" id="{5B25892B-2D2F-A0FE-A7CD-632FCDFC1580}"/>
               </a:ext>
             </a:extLst>
           </p:cNvPr>
@@ -3991,7 +3987,7 @@
           <a:p>
             <a:r>
               <a:rPr lang="en-US" dirty="0"/>
-              <a:t>Use Case #1</a:t>
+              <a:t>Will I use any Datasets?</a:t>
             </a:r>
           </a:p>
         </p:txBody>
@@ -4001,7 +3997,7 @@
           <p:cNvPr id="3" name="Content Placeholder 2">
             <a:extLst>
               <a:ext uri="{FF2B5EF4-FFF2-40B4-BE49-F238E27FC236}">
-                <a16:creationId xmlns:a16="http://schemas.microsoft.com/office/drawing/2014/main" id="{D6ED56F3-6897-C646-F4D2-9B6C28C16DAC}"/>
+                <a16:creationId xmlns:a16="http://schemas.microsoft.com/office/drawing/2014/main" id="{7A5B4583-A045-E52D-60E3-883CF2117E5E}"/>
               </a:ext>
             </a:extLst>
           </p:cNvPr>
@@ -4019,7 +4015,13 @@
           <a:p>
             <a:r>
               <a:rPr lang="en-US" dirty="0"/>
-              <a:t>Scenario 1: A student will want to review flashcards for a history exam. The student will log in with their proper credentials and in the homepage click the plus button. A modal will pop up and take in definitions and terms inputted from the user in a form. Once submitted a deck object containing the terms will appear on the homepage. The student will click the matching game in the deck container to test themselves.</a:t>
+              <a:t>Most likely no. Most of the data will probably be created by me and inserted into a database.</a:t>
+            </a:r>
+          </a:p>
+          <a:p>
+            <a:r>
+              <a:rPr lang="en-US" dirty="0"/>
+              <a:t>My database will store dummy users and their flashcard decks, bulletin posts, and profile information.</a:t>
             </a:r>
           </a:p>
         </p:txBody>
@@ -4027,7 +4029,7 @@
     </p:spTree>
     <p:extLst>
       <p:ext uri="{BB962C8B-B14F-4D97-AF65-F5344CB8AC3E}">
-        <p14:creationId xmlns:p14="http://schemas.microsoft.com/office/powerpoint/2010/main" val="3043498632"/>
+        <p14:creationId xmlns:p14="http://schemas.microsoft.com/office/powerpoint/2010/main" val="3185255996"/>
       </p:ext>
     </p:extLst>
   </p:cSld>
@@ -4059,6 +4061,92 @@
           <p:cNvPr id="2" name="Title 1">
             <a:extLst>
               <a:ext uri="{FF2B5EF4-FFF2-40B4-BE49-F238E27FC236}">
+                <a16:creationId xmlns:a16="http://schemas.microsoft.com/office/drawing/2014/main" id="{DE1503D1-C320-6950-CE28-70CC52A74EE4}"/>
+              </a:ext>
+            </a:extLst>
+          </p:cNvPr>
+          <p:cNvSpPr>
+            <a:spLocks noGrp="1"/>
+          </p:cNvSpPr>
+          <p:nvPr>
+            <p:ph type="title"/>
+          </p:nvPr>
+        </p:nvSpPr>
+        <p:spPr/>
+        <p:txBody>
+          <a:bodyPr/>
+          <a:lstStyle/>
+          <a:p>
+            <a:r>
+              <a:rPr lang="en-US" dirty="0"/>
+              <a:t>Use Case #1</a:t>
+            </a:r>
+          </a:p>
+        </p:txBody>
+      </p:sp>
+      <p:sp>
+        <p:nvSpPr>
+          <p:cNvPr id="3" name="Content Placeholder 2">
+            <a:extLst>
+              <a:ext uri="{FF2B5EF4-FFF2-40B4-BE49-F238E27FC236}">
+                <a16:creationId xmlns:a16="http://schemas.microsoft.com/office/drawing/2014/main" id="{D6ED56F3-6897-C646-F4D2-9B6C28C16DAC}"/>
+              </a:ext>
+            </a:extLst>
+          </p:cNvPr>
+          <p:cNvSpPr>
+            <a:spLocks noGrp="1"/>
+          </p:cNvSpPr>
+          <p:nvPr>
+            <p:ph idx="1"/>
+          </p:nvPr>
+        </p:nvSpPr>
+        <p:spPr/>
+        <p:txBody>
+          <a:bodyPr/>
+          <a:lstStyle/>
+          <a:p>
+            <a:r>
+              <a:rPr lang="en-US" dirty="0"/>
+              <a:t>Scenario 1: A student will want to review flashcards for a history exam. The student will log in with their proper credentials and in the homepage click the plus button. A modal will pop up and take in definitions and terms inputted from the user in a form. Once submitted a deck object containing the terms will appear on the homepage. The student will click the matching game in the deck container to test themselves.</a:t>
+            </a:r>
+          </a:p>
+        </p:txBody>
+      </p:sp>
+    </p:spTree>
+    <p:extLst>
+      <p:ext uri="{BB962C8B-B14F-4D97-AF65-F5344CB8AC3E}">
+        <p14:creationId xmlns:p14="http://schemas.microsoft.com/office/powerpoint/2010/main" val="3043498632"/>
+      </p:ext>
+    </p:extLst>
+  </p:cSld>
+  <p:clrMapOvr>
+    <a:masterClrMapping/>
+  </p:clrMapOvr>
+</p:sld>
+</file>
+
+<file path=ppt/slides/slide14.xml><?xml version="1.0" encoding="utf-8"?>
+<p:sld xmlns:a="http://schemas.openxmlformats.org/drawingml/2006/main" xmlns:r="http://schemas.openxmlformats.org/officeDocument/2006/relationships" xmlns:p="http://schemas.openxmlformats.org/presentationml/2006/main">
+  <p:cSld>
+    <p:spTree>
+      <p:nvGrpSpPr>
+        <p:cNvPr id="1" name=""/>
+        <p:cNvGrpSpPr/>
+        <p:nvPr/>
+      </p:nvGrpSpPr>
+      <p:grpSpPr>
+        <a:xfrm>
+          <a:off x="0" y="0"/>
+          <a:ext cx="0" cy="0"/>
+          <a:chOff x="0" y="0"/>
+          <a:chExt cx="0" cy="0"/>
+        </a:xfrm>
+      </p:grpSpPr>
+      <p:sp>
+        <p:nvSpPr>
+          <p:cNvPr id="2" name="Title 1">
+            <a:extLst>
+              <a:ext uri="{FF2B5EF4-FFF2-40B4-BE49-F238E27FC236}">
                 <a16:creationId xmlns:a16="http://schemas.microsoft.com/office/drawing/2014/main" id="{F40BAA40-E70D-6D78-30EC-AF5C736577EC}"/>
               </a:ext>
             </a:extLst>
@@ -4123,7 +4211,7 @@
 </p:sld>
 </file>
 
-<file path=ppt/slides/slide14.xml><?xml version="1.0" encoding="utf-8"?>
+<file path=ppt/slides/slide15.xml><?xml version="1.0" encoding="utf-8"?>
 <p:sld xmlns:a="http://schemas.openxmlformats.org/drawingml/2006/main" xmlns:r="http://schemas.openxmlformats.org/officeDocument/2006/relationships" xmlns:p="http://schemas.openxmlformats.org/presentationml/2006/main">
   <p:cSld>
     <p:spTree>
@@ -4638,6 +4726,93 @@
           <p:cNvPr id="2" name="Title 1">
             <a:extLst>
               <a:ext uri="{FF2B5EF4-FFF2-40B4-BE49-F238E27FC236}">
+                <a16:creationId xmlns:a16="http://schemas.microsoft.com/office/drawing/2014/main" id="{24E60F5E-11BA-71A1-7BC4-2A76A02BC56F}"/>
+              </a:ext>
+            </a:extLst>
+          </p:cNvPr>
+          <p:cNvSpPr>
+            <a:spLocks noGrp="1"/>
+          </p:cNvSpPr>
+          <p:nvPr>
+            <p:ph type="title"/>
+          </p:nvPr>
+        </p:nvSpPr>
+        <p:spPr/>
+        <p:txBody>
+          <a:bodyPr/>
+          <a:lstStyle/>
+          <a:p>
+            <a:r>
+              <a:rPr lang="en-US" dirty="0"/>
+              <a:t>Log In Wireframe</a:t>
+            </a:r>
+          </a:p>
+        </p:txBody>
+      </p:sp>
+      <p:pic>
+        <p:nvPicPr>
+          <p:cNvPr id="5" name="Content Placeholder 4" descr="A login screen with a box and a log in box&#10;&#10;AI-generated content may be incorrect.">
+            <a:extLst>
+              <a:ext uri="{FF2B5EF4-FFF2-40B4-BE49-F238E27FC236}">
+                <a16:creationId xmlns:a16="http://schemas.microsoft.com/office/drawing/2014/main" id="{E98F32BD-F563-1BE0-492D-6DCA9FC73043}"/>
+              </a:ext>
+            </a:extLst>
+          </p:cNvPr>
+          <p:cNvPicPr>
+            <a:picLocks noGrp="1" noChangeAspect="1"/>
+          </p:cNvPicPr>
+          <p:nvPr>
+            <p:ph idx="1"/>
+          </p:nvPr>
+        </p:nvPicPr>
+        <p:blipFill>
+          <a:blip r:embed="rId2"/>
+          <a:stretch>
+            <a:fillRect/>
+          </a:stretch>
+        </p:blipFill>
+        <p:spPr>
+          <a:xfrm>
+            <a:off x="1460879" y="1825625"/>
+            <a:ext cx="9270241" cy="4351338"/>
+          </a:xfrm>
+        </p:spPr>
+      </p:pic>
+    </p:spTree>
+    <p:extLst>
+      <p:ext uri="{BB962C8B-B14F-4D97-AF65-F5344CB8AC3E}">
+        <p14:creationId xmlns:p14="http://schemas.microsoft.com/office/powerpoint/2010/main" val="3645080794"/>
+      </p:ext>
+    </p:extLst>
+  </p:cSld>
+  <p:clrMapOvr>
+    <a:masterClrMapping/>
+  </p:clrMapOvr>
+</p:sld>
+</file>
+
+<file path=ppt/slides/slide7.xml><?xml version="1.0" encoding="utf-8"?>
+<p:sld xmlns:a="http://schemas.openxmlformats.org/drawingml/2006/main" xmlns:r="http://schemas.openxmlformats.org/officeDocument/2006/relationships" xmlns:p="http://schemas.openxmlformats.org/presentationml/2006/main">
+  <p:cSld>
+    <p:spTree>
+      <p:nvGrpSpPr>
+        <p:cNvPr id="1" name=""/>
+        <p:cNvGrpSpPr/>
+        <p:nvPr/>
+      </p:nvGrpSpPr>
+      <p:grpSpPr>
+        <a:xfrm>
+          <a:off x="0" y="0"/>
+          <a:ext cx="0" cy="0"/>
+          <a:chOff x="0" y="0"/>
+          <a:chExt cx="0" cy="0"/>
+        </a:xfrm>
+      </p:grpSpPr>
+      <p:sp>
+        <p:nvSpPr>
+          <p:cNvPr id="2" name="Title 1">
+            <a:extLst>
+              <a:ext uri="{FF2B5EF4-FFF2-40B4-BE49-F238E27FC236}">
                 <a16:creationId xmlns:a16="http://schemas.microsoft.com/office/drawing/2014/main" id="{EB00B0C5-2145-44A8-1BC8-35B4911E5712}"/>
               </a:ext>
             </a:extLst>
@@ -4703,7 +4878,7 @@
 </p:sld>
 </file>
 
-<file path=ppt/slides/slide7.xml><?xml version="1.0" encoding="utf-8"?>
+<file path=ppt/slides/slide8.xml><?xml version="1.0" encoding="utf-8"?>
 <p:sld xmlns:a="http://schemas.openxmlformats.org/drawingml/2006/main" xmlns:r="http://schemas.openxmlformats.org/officeDocument/2006/relationships" xmlns:p="http://schemas.openxmlformats.org/presentationml/2006/main">
   <p:cSld>
     <p:spTree>
@@ -4790,7 +4965,7 @@
 </p:sld>
 </file>
 
-<file path=ppt/slides/slide8.xml><?xml version="1.0" encoding="utf-8"?>
+<file path=ppt/slides/slide9.xml><?xml version="1.0" encoding="utf-8"?>
 <p:sld xmlns:a="http://schemas.openxmlformats.org/drawingml/2006/main" xmlns:r="http://schemas.openxmlformats.org/officeDocument/2006/relationships" xmlns:p="http://schemas.openxmlformats.org/presentationml/2006/main">
   <p:cSld>
     <p:spTree>
@@ -4868,93 +5043,6 @@
     <p:extLst>
       <p:ext uri="{BB962C8B-B14F-4D97-AF65-F5344CB8AC3E}">
         <p14:creationId xmlns:p14="http://schemas.microsoft.com/office/powerpoint/2010/main" val="3661604359"/>
-      </p:ext>
-    </p:extLst>
-  </p:cSld>
-  <p:clrMapOvr>
-    <a:masterClrMapping/>
-  </p:clrMapOvr>
-</p:sld>
-</file>
-
-<file path=ppt/slides/slide9.xml><?xml version="1.0" encoding="utf-8"?>
-<p:sld xmlns:a="http://schemas.openxmlformats.org/drawingml/2006/main" xmlns:r="http://schemas.openxmlformats.org/officeDocument/2006/relationships" xmlns:p="http://schemas.openxmlformats.org/presentationml/2006/main">
-  <p:cSld>
-    <p:spTree>
-      <p:nvGrpSpPr>
-        <p:cNvPr id="1" name=""/>
-        <p:cNvGrpSpPr/>
-        <p:nvPr/>
-      </p:nvGrpSpPr>
-      <p:grpSpPr>
-        <a:xfrm>
-          <a:off x="0" y="0"/>
-          <a:ext cx="0" cy="0"/>
-          <a:chOff x="0" y="0"/>
-          <a:chExt cx="0" cy="0"/>
-        </a:xfrm>
-      </p:grpSpPr>
-      <p:sp>
-        <p:nvSpPr>
-          <p:cNvPr id="2" name="Title 1">
-            <a:extLst>
-              <a:ext uri="{FF2B5EF4-FFF2-40B4-BE49-F238E27FC236}">
-                <a16:creationId xmlns:a16="http://schemas.microsoft.com/office/drawing/2014/main" id="{34D8EF66-90EC-EE39-14CD-0D2110742D63}"/>
-              </a:ext>
-            </a:extLst>
-          </p:cNvPr>
-          <p:cNvSpPr>
-            <a:spLocks noGrp="1"/>
-          </p:cNvSpPr>
-          <p:nvPr>
-            <p:ph type="title"/>
-          </p:nvPr>
-        </p:nvSpPr>
-        <p:spPr/>
-        <p:txBody>
-          <a:bodyPr/>
-          <a:lstStyle/>
-          <a:p>
-            <a:r>
-              <a:rPr lang="en-US" dirty="0"/>
-              <a:t>About us Wireframe</a:t>
-            </a:r>
-          </a:p>
-        </p:txBody>
-      </p:sp>
-      <p:pic>
-        <p:nvPicPr>
-          <p:cNvPr id="5" name="Content Placeholder 4" descr="A screenshot of a computer&#10;&#10;AI-generated content may be incorrect.">
-            <a:extLst>
-              <a:ext uri="{FF2B5EF4-FFF2-40B4-BE49-F238E27FC236}">
-                <a16:creationId xmlns:a16="http://schemas.microsoft.com/office/drawing/2014/main" id="{16677C13-CA96-2340-AB69-E6811B6489AF}"/>
-              </a:ext>
-            </a:extLst>
-          </p:cNvPr>
-          <p:cNvPicPr>
-            <a:picLocks noGrp="1" noChangeAspect="1"/>
-          </p:cNvPicPr>
-          <p:nvPr>
-            <p:ph idx="1"/>
-          </p:nvPr>
-        </p:nvPicPr>
-        <p:blipFill>
-          <a:blip r:embed="rId2"/>
-          <a:stretch>
-            <a:fillRect/>
-          </a:stretch>
-        </p:blipFill>
-        <p:spPr>
-          <a:xfrm>
-            <a:off x="2340879" y="1825625"/>
-            <a:ext cx="7510242" cy="4351338"/>
-          </a:xfrm>
-        </p:spPr>
-      </p:pic>
-    </p:spTree>
-    <p:extLst>
-      <p:ext uri="{BB962C8B-B14F-4D97-AF65-F5344CB8AC3E}">
-        <p14:creationId xmlns:p14="http://schemas.microsoft.com/office/powerpoint/2010/main" val="3613504849"/>
       </p:ext>
     </p:extLst>
   </p:cSld>

--- a/Design_Doc_MyStudies.pptx
+++ b/Design_Doc_MyStudies.pptx
@@ -16,10 +16,11 @@
     <p:sldId id="268" r:id="rId10"/>
     <p:sldId id="269" r:id="rId11"/>
     <p:sldId id="260" r:id="rId12"/>
-    <p:sldId id="261" r:id="rId13"/>
-    <p:sldId id="262" r:id="rId14"/>
-    <p:sldId id="265" r:id="rId15"/>
-    <p:sldId id="266" r:id="rId16"/>
+    <p:sldId id="271" r:id="rId13"/>
+    <p:sldId id="261" r:id="rId14"/>
+    <p:sldId id="262" r:id="rId15"/>
+    <p:sldId id="265" r:id="rId16"/>
+    <p:sldId id="266" r:id="rId17"/>
   </p:sldIdLst>
   <p:sldSz cx="12192000" cy="6858000"/>
   <p:notesSz cx="6858000" cy="9144000"/>
@@ -273,7 +274,7 @@
           <a:p>
             <a:fld id="{48A87A34-81AB-432B-8DAE-1953F412C126}" type="datetimeFigureOut">
               <a:rPr lang="en-US" smtClean="0"/>
-              <a:t>3/18/25</a:t>
+              <a:t>3/19/25</a:t>
             </a:fld>
             <a:endParaRPr lang="en-US" dirty="0"/>
           </a:p>
@@ -471,7 +472,7 @@
           <a:p>
             <a:fld id="{48A87A34-81AB-432B-8DAE-1953F412C126}" type="datetimeFigureOut">
               <a:rPr lang="en-US" smtClean="0"/>
-              <a:t>3/18/25</a:t>
+              <a:t>3/19/25</a:t>
             </a:fld>
             <a:endParaRPr lang="en-US" dirty="0"/>
           </a:p>
@@ -679,7 +680,7 @@
           <a:p>
             <a:fld id="{48A87A34-81AB-432B-8DAE-1953F412C126}" type="datetimeFigureOut">
               <a:rPr lang="en-US" smtClean="0"/>
-              <a:t>3/18/25</a:t>
+              <a:t>3/19/25</a:t>
             </a:fld>
             <a:endParaRPr lang="en-US" dirty="0"/>
           </a:p>
@@ -877,7 +878,7 @@
           <a:p>
             <a:fld id="{48A87A34-81AB-432B-8DAE-1953F412C126}" type="datetimeFigureOut">
               <a:rPr lang="en-US" smtClean="0"/>
-              <a:t>3/18/25</a:t>
+              <a:t>3/19/25</a:t>
             </a:fld>
             <a:endParaRPr lang="en-US" dirty="0"/>
           </a:p>
@@ -1152,7 +1153,7 @@
           <a:p>
             <a:fld id="{48A87A34-81AB-432B-8DAE-1953F412C126}" type="datetimeFigureOut">
               <a:rPr lang="en-US" smtClean="0"/>
-              <a:t>3/18/25</a:t>
+              <a:t>3/19/25</a:t>
             </a:fld>
             <a:endParaRPr lang="en-US" dirty="0"/>
           </a:p>
@@ -1417,7 +1418,7 @@
           <a:p>
             <a:fld id="{48A87A34-81AB-432B-8DAE-1953F412C126}" type="datetimeFigureOut">
               <a:rPr lang="en-US" smtClean="0"/>
-              <a:t>3/18/25</a:t>
+              <a:t>3/19/25</a:t>
             </a:fld>
             <a:endParaRPr lang="en-US" dirty="0"/>
           </a:p>
@@ -1830,7 +1831,7 @@
             <a:fld id="{48A87A34-81AB-432B-8DAE-1953F412C126}" type="datetimeFigureOut">
               <a:rPr lang="en-US" smtClean="0"/>
               <a:pPr/>
-              <a:t>3/18/25</a:t>
+              <a:t>3/19/25</a:t>
             </a:fld>
             <a:endParaRPr lang="en-US" dirty="0"/>
           </a:p>
@@ -1972,7 +1973,7 @@
           <a:p>
             <a:fld id="{48A87A34-81AB-432B-8DAE-1953F412C126}" type="datetimeFigureOut">
               <a:rPr lang="en-US" smtClean="0"/>
-              <a:t>3/18/25</a:t>
+              <a:t>3/19/25</a:t>
             </a:fld>
             <a:endParaRPr lang="en-US" dirty="0"/>
           </a:p>
@@ -2085,7 +2086,7 @@
           <a:p>
             <a:fld id="{48A87A34-81AB-432B-8DAE-1953F412C126}" type="datetimeFigureOut">
               <a:rPr lang="en-US" smtClean="0"/>
-              <a:t>3/18/25</a:t>
+              <a:t>3/19/25</a:t>
             </a:fld>
             <a:endParaRPr lang="en-US" dirty="0"/>
           </a:p>
@@ -2396,7 +2397,7 @@
           <a:p>
             <a:fld id="{48A87A34-81AB-432B-8DAE-1953F412C126}" type="datetimeFigureOut">
               <a:rPr lang="en-US" smtClean="0"/>
-              <a:t>3/18/25</a:t>
+              <a:t>3/19/25</a:t>
             </a:fld>
             <a:endParaRPr lang="en-US" dirty="0"/>
           </a:p>
@@ -2685,7 +2686,7 @@
             <a:fld id="{48A87A34-81AB-432B-8DAE-1953F412C126}" type="datetimeFigureOut">
               <a:rPr lang="en-US" smtClean="0"/>
               <a:pPr/>
-              <a:t>3/18/25</a:t>
+              <a:t>3/19/25</a:t>
             </a:fld>
             <a:endParaRPr lang="en-US" dirty="0"/>
           </a:p>
@@ -2927,7 +2928,7 @@
             <a:fld id="{48A87A34-81AB-432B-8DAE-1953F412C126}" type="datetimeFigureOut">
               <a:rPr lang="en-US" smtClean="0"/>
               <a:pPr/>
-              <a:t>3/18/25</a:t>
+              <a:t>3/19/25</a:t>
             </a:fld>
             <a:endParaRPr lang="en-US" dirty="0"/>
           </a:p>
@@ -3969,7 +3970,7 @@
           <p:cNvPr id="2" name="Title 1">
             <a:extLst>
               <a:ext uri="{FF2B5EF4-FFF2-40B4-BE49-F238E27FC236}">
-                <a16:creationId xmlns:a16="http://schemas.microsoft.com/office/drawing/2014/main" id="{5B25892B-2D2F-A0FE-A7CD-632FCDFC1580}"/>
+                <a16:creationId xmlns:a16="http://schemas.microsoft.com/office/drawing/2014/main" id="{E44BDA06-200D-2E9C-015A-3F27B6193341}"/>
               </a:ext>
             </a:extLst>
           </p:cNvPr>
@@ -3987,49 +3988,383 @@
           <a:p>
             <a:r>
               <a:rPr lang="en-US" dirty="0"/>
-              <a:t>Will I use any Datasets?</a:t>
-            </a:r>
-          </a:p>
-        </p:txBody>
-      </p:sp>
-      <p:sp>
-        <p:nvSpPr>
-          <p:cNvPr id="3" name="Content Placeholder 2">
-            <a:extLst>
-              <a:ext uri="{FF2B5EF4-FFF2-40B4-BE49-F238E27FC236}">
-                <a16:creationId xmlns:a16="http://schemas.microsoft.com/office/drawing/2014/main" id="{7A5B4583-A045-E52D-60E3-883CF2117E5E}"/>
-              </a:ext>
-            </a:extLst>
-          </p:cNvPr>
-          <p:cNvSpPr>
-            <a:spLocks noGrp="1"/>
-          </p:cNvSpPr>
+              <a:t>Updated Tentative Schedule</a:t>
+            </a:r>
+          </a:p>
+        </p:txBody>
+      </p:sp>
+      <p:graphicFrame>
+        <p:nvGraphicFramePr>
+          <p:cNvPr id="4" name="Content Placeholder 3">
+            <a:extLst>
+              <a:ext uri="{FF2B5EF4-FFF2-40B4-BE49-F238E27FC236}">
+                <a16:creationId xmlns:a16="http://schemas.microsoft.com/office/drawing/2014/main" id="{75559585-B2C7-DB8A-D3B0-E3AC0A3EC5C7}"/>
+              </a:ext>
+            </a:extLst>
+          </p:cNvPr>
+          <p:cNvGraphicFramePr>
+            <a:graphicFrameLocks noGrp="1"/>
+          </p:cNvGraphicFramePr>
           <p:nvPr>
             <p:ph idx="1"/>
-          </p:nvPr>
-        </p:nvSpPr>
-        <p:spPr/>
-        <p:txBody>
-          <a:bodyPr/>
-          <a:lstStyle/>
-          <a:p>
-            <a:r>
-              <a:rPr lang="en-US" dirty="0"/>
-              <a:t>Most likely no. Most of the data will probably be created by me and inserted into a database.</a:t>
-            </a:r>
-          </a:p>
-          <a:p>
-            <a:r>
-              <a:rPr lang="en-US" dirty="0"/>
-              <a:t>My database will store dummy users and their flashcard decks, bulletin posts, and profile information.</a:t>
-            </a:r>
-          </a:p>
-        </p:txBody>
-      </p:sp>
+            <p:extLst>
+              <p:ext uri="{D42A27DB-BD31-4B8C-83A1-F6EECF244321}">
+                <p14:modId xmlns:p14="http://schemas.microsoft.com/office/powerpoint/2010/main" val="2216783746"/>
+              </p:ext>
+            </p:extLst>
+          </p:nvPr>
+        </p:nvGraphicFramePr>
+        <p:xfrm>
+          <a:off x="838200" y="1825625"/>
+          <a:ext cx="10515600" cy="3337560"/>
+        </p:xfrm>
+        <a:graphic>
+          <a:graphicData uri="http://schemas.openxmlformats.org/drawingml/2006/table">
+            <a:tbl>
+              <a:tblPr firstRow="1" bandRow="1">
+                <a:tableStyleId>{5C22544A-7EE6-4342-B048-85BDC9FD1C3A}</a:tableStyleId>
+              </a:tblPr>
+              <a:tblGrid>
+                <a:gridCol w="5257800">
+                  <a:extLst>
+                    <a:ext uri="{9D8B030D-6E8A-4147-A177-3AD203B41FA5}">
+                      <a16:colId xmlns:a16="http://schemas.microsoft.com/office/drawing/2014/main" val="2972870014"/>
+                    </a:ext>
+                  </a:extLst>
+                </a:gridCol>
+                <a:gridCol w="5257800">
+                  <a:extLst>
+                    <a:ext uri="{9D8B030D-6E8A-4147-A177-3AD203B41FA5}">
+                      <a16:colId xmlns:a16="http://schemas.microsoft.com/office/drawing/2014/main" val="3308739997"/>
+                    </a:ext>
+                  </a:extLst>
+                </a:gridCol>
+              </a:tblGrid>
+              <a:tr h="370840">
+                <a:tc>
+                  <a:txBody>
+                    <a:bodyPr/>
+                    <a:lstStyle/>
+                    <a:p>
+                      <a:pPr algn="ctr"/>
+                      <a:r>
+                        <a:rPr lang="en-US" dirty="0"/>
+                        <a:t>Tasks</a:t>
+                      </a:r>
+                    </a:p>
+                  </a:txBody>
+                  <a:tcPr/>
+                </a:tc>
+                <a:tc>
+                  <a:txBody>
+                    <a:bodyPr/>
+                    <a:lstStyle/>
+                    <a:p>
+                      <a:pPr algn="ctr"/>
+                      <a:r>
+                        <a:rPr lang="en-US" dirty="0"/>
+                        <a:t>Timeframe</a:t>
+                      </a:r>
+                    </a:p>
+                  </a:txBody>
+                  <a:tcPr/>
+                </a:tc>
+                <a:extLst>
+                  <a:ext uri="{0D108BD9-81ED-4DB2-BD59-A6C34878D82A}">
+                    <a16:rowId xmlns:a16="http://schemas.microsoft.com/office/drawing/2014/main" val="3528264135"/>
+                  </a:ext>
+                </a:extLst>
+              </a:tr>
+              <a:tr h="370840">
+                <a:tc>
+                  <a:txBody>
+                    <a:bodyPr/>
+                    <a:lstStyle/>
+                    <a:p>
+                      <a:pPr algn="l"/>
+                      <a:r>
+                        <a:rPr lang="en-US" dirty="0"/>
+                        <a:t>Live Presentation</a:t>
+                      </a:r>
+                    </a:p>
+                  </a:txBody>
+                  <a:tcPr/>
+                </a:tc>
+                <a:tc>
+                  <a:txBody>
+                    <a:bodyPr/>
+                    <a:lstStyle/>
+                    <a:p>
+                      <a:pPr algn="l"/>
+                      <a:r>
+                        <a:rPr lang="en-US" dirty="0"/>
+                        <a:t> Week 8</a:t>
+                      </a:r>
+                    </a:p>
+                  </a:txBody>
+                  <a:tcPr/>
+                </a:tc>
+                <a:extLst>
+                  <a:ext uri="{0D108BD9-81ED-4DB2-BD59-A6C34878D82A}">
+                    <a16:rowId xmlns:a16="http://schemas.microsoft.com/office/drawing/2014/main" val="3288677042"/>
+                  </a:ext>
+                </a:extLst>
+              </a:tr>
+              <a:tr h="370840">
+                <a:tc>
+                  <a:txBody>
+                    <a:bodyPr/>
+                    <a:lstStyle/>
+                    <a:p>
+                      <a:r>
+                        <a:rPr lang="en-US" dirty="0"/>
+                        <a:t>Bulletin and Profile Functionality</a:t>
+                      </a:r>
+                    </a:p>
+                  </a:txBody>
+                  <a:tcPr/>
+                </a:tc>
+                <a:tc>
+                  <a:txBody>
+                    <a:bodyPr/>
+                    <a:lstStyle/>
+                    <a:p>
+                      <a:r>
+                        <a:rPr lang="en-US" dirty="0"/>
+                        <a:t> Week 8</a:t>
+                      </a:r>
+                    </a:p>
+                  </a:txBody>
+                  <a:tcPr/>
+                </a:tc>
+                <a:extLst>
+                  <a:ext uri="{0D108BD9-81ED-4DB2-BD59-A6C34878D82A}">
+                    <a16:rowId xmlns:a16="http://schemas.microsoft.com/office/drawing/2014/main" val="1593306539"/>
+                  </a:ext>
+                </a:extLst>
+              </a:tr>
+              <a:tr h="370840">
+                <a:tc>
+                  <a:txBody>
+                    <a:bodyPr/>
+                    <a:lstStyle/>
+                    <a:p>
+                      <a:r>
+                        <a:rPr lang="en-US" dirty="0" err="1"/>
+                        <a:t>Flashdeck</a:t>
+                      </a:r>
+                      <a:r>
+                        <a:rPr lang="en-US" dirty="0"/>
+                        <a:t> Implementation and Features</a:t>
+                      </a:r>
+                    </a:p>
+                  </a:txBody>
+                  <a:tcPr/>
+                </a:tc>
+                <a:tc>
+                  <a:txBody>
+                    <a:bodyPr/>
+                    <a:lstStyle/>
+                    <a:p>
+                      <a:r>
+                        <a:rPr lang="en-US" dirty="0"/>
+                        <a:t> Week 8-10</a:t>
+                      </a:r>
+                    </a:p>
+                  </a:txBody>
+                  <a:tcPr/>
+                </a:tc>
+                <a:extLst>
+                  <a:ext uri="{0D108BD9-81ED-4DB2-BD59-A6C34878D82A}">
+                    <a16:rowId xmlns:a16="http://schemas.microsoft.com/office/drawing/2014/main" val="1474767323"/>
+                  </a:ext>
+                </a:extLst>
+              </a:tr>
+              <a:tr h="370840">
+                <a:tc>
+                  <a:txBody>
+                    <a:bodyPr/>
+                    <a:lstStyle/>
+                    <a:p>
+                      <a:r>
+                        <a:rPr lang="en-US" dirty="0" err="1"/>
+                        <a:t>NodeJs</a:t>
+                      </a:r>
+                      <a:r>
+                        <a:rPr lang="en-US" dirty="0"/>
+                        <a:t> and Backend Research</a:t>
+                      </a:r>
+                    </a:p>
+                  </a:txBody>
+                  <a:tcPr/>
+                </a:tc>
+                <a:tc>
+                  <a:txBody>
+                    <a:bodyPr/>
+                    <a:lstStyle/>
+                    <a:p>
+                      <a:r>
+                        <a:rPr lang="en-US" dirty="0"/>
+                        <a:t>Week 8-10</a:t>
+                      </a:r>
+                    </a:p>
+                  </a:txBody>
+                  <a:tcPr/>
+                </a:tc>
+                <a:extLst>
+                  <a:ext uri="{0D108BD9-81ED-4DB2-BD59-A6C34878D82A}">
+                    <a16:rowId xmlns:a16="http://schemas.microsoft.com/office/drawing/2014/main" val="201237676"/>
+                  </a:ext>
+                </a:extLst>
+              </a:tr>
+              <a:tr h="370840">
+                <a:tc>
+                  <a:txBody>
+                    <a:bodyPr/>
+                    <a:lstStyle/>
+                    <a:p>
+                      <a:r>
+                        <a:rPr lang="en-US" dirty="0"/>
+                        <a:t>Presentation Slides</a:t>
+                      </a:r>
+                    </a:p>
+                  </a:txBody>
+                  <a:tcPr/>
+                </a:tc>
+                <a:tc>
+                  <a:txBody>
+                    <a:bodyPr/>
+                    <a:lstStyle/>
+                    <a:p>
+                      <a:r>
+                        <a:rPr lang="en-US" dirty="0"/>
+                        <a:t>Week 10</a:t>
+                      </a:r>
+                    </a:p>
+                  </a:txBody>
+                  <a:tcPr/>
+                </a:tc>
+                <a:extLst>
+                  <a:ext uri="{0D108BD9-81ED-4DB2-BD59-A6C34878D82A}">
+                    <a16:rowId xmlns:a16="http://schemas.microsoft.com/office/drawing/2014/main" val="1619871602"/>
+                  </a:ext>
+                </a:extLst>
+              </a:tr>
+              <a:tr h="370840">
+                <a:tc>
+                  <a:txBody>
+                    <a:bodyPr/>
+                    <a:lstStyle/>
+                    <a:p>
+                      <a:r>
+                        <a:rPr lang="en-US" dirty="0"/>
+                        <a:t>Demo 2</a:t>
+                      </a:r>
+                    </a:p>
+                  </a:txBody>
+                  <a:tcPr/>
+                </a:tc>
+                <a:tc>
+                  <a:txBody>
+                    <a:bodyPr/>
+                    <a:lstStyle/>
+                    <a:p>
+                      <a:r>
+                        <a:rPr lang="en-US" dirty="0"/>
+                        <a:t>Week 11</a:t>
+                      </a:r>
+                    </a:p>
+                  </a:txBody>
+                  <a:tcPr/>
+                </a:tc>
+                <a:extLst>
+                  <a:ext uri="{0D108BD9-81ED-4DB2-BD59-A6C34878D82A}">
+                    <a16:rowId xmlns:a16="http://schemas.microsoft.com/office/drawing/2014/main" val="1739792623"/>
+                  </a:ext>
+                </a:extLst>
+              </a:tr>
+              <a:tr h="370840">
+                <a:tc>
+                  <a:txBody>
+                    <a:bodyPr/>
+                    <a:lstStyle/>
+                    <a:p>
+                      <a:r>
+                        <a:rPr lang="en-US" dirty="0"/>
+                        <a:t>Backend and Database Implementation</a:t>
+                      </a:r>
+                    </a:p>
+                  </a:txBody>
+                  <a:tcPr/>
+                </a:tc>
+                <a:tc>
+                  <a:txBody>
+                    <a:bodyPr/>
+                    <a:lstStyle/>
+                    <a:p>
+                      <a:r>
+                        <a:rPr lang="en-US" dirty="0"/>
+                        <a:t>Weeks 11-14</a:t>
+                      </a:r>
+                    </a:p>
+                  </a:txBody>
+                  <a:tcPr/>
+                </a:tc>
+                <a:extLst>
+                  <a:ext uri="{0D108BD9-81ED-4DB2-BD59-A6C34878D82A}">
+                    <a16:rowId xmlns:a16="http://schemas.microsoft.com/office/drawing/2014/main" val="2342312753"/>
+                  </a:ext>
+                </a:extLst>
+              </a:tr>
+              <a:tr h="370840">
+                <a:tc>
+                  <a:txBody>
+                    <a:bodyPr/>
+                    <a:lstStyle/>
+                    <a:p>
+                      <a:r>
+                        <a:rPr lang="en-US" dirty="0"/>
+                        <a:t>Final Draft </a:t>
+                      </a:r>
+                      <a:r>
+                        <a:rPr lang="en-US" dirty="0" err="1"/>
+                        <a:t>Presenation</a:t>
+                      </a:r>
+                      <a:r>
+                        <a:rPr lang="en-US" dirty="0"/>
+                        <a:t> Slides</a:t>
+                      </a:r>
+                    </a:p>
+                  </a:txBody>
+                  <a:tcPr/>
+                </a:tc>
+                <a:tc>
+                  <a:txBody>
+                    <a:bodyPr/>
+                    <a:lstStyle/>
+                    <a:p>
+                      <a:r>
+                        <a:rPr lang="en-US" dirty="0"/>
+                        <a:t>Weeks 13-15</a:t>
+                      </a:r>
+                    </a:p>
+                  </a:txBody>
+                  <a:tcPr/>
+                </a:tc>
+                <a:extLst>
+                  <a:ext uri="{0D108BD9-81ED-4DB2-BD59-A6C34878D82A}">
+                    <a16:rowId xmlns:a16="http://schemas.microsoft.com/office/drawing/2014/main" val="2325874511"/>
+                  </a:ext>
+                </a:extLst>
+              </a:tr>
+            </a:tbl>
+          </a:graphicData>
+        </a:graphic>
+      </p:graphicFrame>
     </p:spTree>
     <p:extLst>
       <p:ext uri="{BB962C8B-B14F-4D97-AF65-F5344CB8AC3E}">
-        <p14:creationId xmlns:p14="http://schemas.microsoft.com/office/powerpoint/2010/main" val="3185255996"/>
+        <p14:creationId xmlns:p14="http://schemas.microsoft.com/office/powerpoint/2010/main" val="3752165945"/>
       </p:ext>
     </p:extLst>
   </p:cSld>
@@ -4061,7 +4396,7 @@
           <p:cNvPr id="2" name="Title 1">
             <a:extLst>
               <a:ext uri="{FF2B5EF4-FFF2-40B4-BE49-F238E27FC236}">
-                <a16:creationId xmlns:a16="http://schemas.microsoft.com/office/drawing/2014/main" id="{DE1503D1-C320-6950-CE28-70CC52A74EE4}"/>
+                <a16:creationId xmlns:a16="http://schemas.microsoft.com/office/drawing/2014/main" id="{5B25892B-2D2F-A0FE-A7CD-632FCDFC1580}"/>
               </a:ext>
             </a:extLst>
           </p:cNvPr>
@@ -4079,7 +4414,7 @@
           <a:p>
             <a:r>
               <a:rPr lang="en-US" dirty="0"/>
-              <a:t>Use Case #1</a:t>
+              <a:t>Will I use any Datasets?</a:t>
             </a:r>
           </a:p>
         </p:txBody>
@@ -4089,7 +4424,7 @@
           <p:cNvPr id="3" name="Content Placeholder 2">
             <a:extLst>
               <a:ext uri="{FF2B5EF4-FFF2-40B4-BE49-F238E27FC236}">
-                <a16:creationId xmlns:a16="http://schemas.microsoft.com/office/drawing/2014/main" id="{D6ED56F3-6897-C646-F4D2-9B6C28C16DAC}"/>
+                <a16:creationId xmlns:a16="http://schemas.microsoft.com/office/drawing/2014/main" id="{7A5B4583-A045-E52D-60E3-883CF2117E5E}"/>
               </a:ext>
             </a:extLst>
           </p:cNvPr>
@@ -4107,7 +4442,13 @@
           <a:p>
             <a:r>
               <a:rPr lang="en-US" dirty="0"/>
-              <a:t>Scenario 1: A student will want to review flashcards for a history exam. The student will log in with their proper credentials and in the homepage click the plus button. A modal will pop up and take in definitions and terms inputted from the user in a form. Once submitted a deck object containing the terms will appear on the homepage. The student will click the matching game in the deck container to test themselves.</a:t>
+              <a:t>Most likely no. Most of the data will probably be created by me and inserted into a database.</a:t>
+            </a:r>
+          </a:p>
+          <a:p>
+            <a:r>
+              <a:rPr lang="en-US" dirty="0"/>
+              <a:t>My database will store dummy users and their flashcard decks, bulletin posts, and profile information.</a:t>
             </a:r>
           </a:p>
         </p:txBody>
@@ -4115,7 +4456,7 @@
     </p:spTree>
     <p:extLst>
       <p:ext uri="{BB962C8B-B14F-4D97-AF65-F5344CB8AC3E}">
-        <p14:creationId xmlns:p14="http://schemas.microsoft.com/office/powerpoint/2010/main" val="3043498632"/>
+        <p14:creationId xmlns:p14="http://schemas.microsoft.com/office/powerpoint/2010/main" val="3185255996"/>
       </p:ext>
     </p:extLst>
   </p:cSld>
@@ -4147,6 +4488,92 @@
           <p:cNvPr id="2" name="Title 1">
             <a:extLst>
               <a:ext uri="{FF2B5EF4-FFF2-40B4-BE49-F238E27FC236}">
+                <a16:creationId xmlns:a16="http://schemas.microsoft.com/office/drawing/2014/main" id="{DE1503D1-C320-6950-CE28-70CC52A74EE4}"/>
+              </a:ext>
+            </a:extLst>
+          </p:cNvPr>
+          <p:cNvSpPr>
+            <a:spLocks noGrp="1"/>
+          </p:cNvSpPr>
+          <p:nvPr>
+            <p:ph type="title"/>
+          </p:nvPr>
+        </p:nvSpPr>
+        <p:spPr/>
+        <p:txBody>
+          <a:bodyPr/>
+          <a:lstStyle/>
+          <a:p>
+            <a:r>
+              <a:rPr lang="en-US" dirty="0"/>
+              <a:t>Use Case #1</a:t>
+            </a:r>
+          </a:p>
+        </p:txBody>
+      </p:sp>
+      <p:sp>
+        <p:nvSpPr>
+          <p:cNvPr id="3" name="Content Placeholder 2">
+            <a:extLst>
+              <a:ext uri="{FF2B5EF4-FFF2-40B4-BE49-F238E27FC236}">
+                <a16:creationId xmlns:a16="http://schemas.microsoft.com/office/drawing/2014/main" id="{D6ED56F3-6897-C646-F4D2-9B6C28C16DAC}"/>
+              </a:ext>
+            </a:extLst>
+          </p:cNvPr>
+          <p:cNvSpPr>
+            <a:spLocks noGrp="1"/>
+          </p:cNvSpPr>
+          <p:nvPr>
+            <p:ph idx="1"/>
+          </p:nvPr>
+        </p:nvSpPr>
+        <p:spPr/>
+        <p:txBody>
+          <a:bodyPr/>
+          <a:lstStyle/>
+          <a:p>
+            <a:r>
+              <a:rPr lang="en-US" dirty="0"/>
+              <a:t>Scenario 1: A student will want to review flashcards for a history exam. The student will log in with their proper credentials and in the homepage click the plus button. A modal will pop up and take in definitions and terms inputted from the user in a form. Once submitted a deck object containing the terms will appear on the homepage. The student will click the matching game in the deck container to test themselves.</a:t>
+            </a:r>
+          </a:p>
+        </p:txBody>
+      </p:sp>
+    </p:spTree>
+    <p:extLst>
+      <p:ext uri="{BB962C8B-B14F-4D97-AF65-F5344CB8AC3E}">
+        <p14:creationId xmlns:p14="http://schemas.microsoft.com/office/powerpoint/2010/main" val="3043498632"/>
+      </p:ext>
+    </p:extLst>
+  </p:cSld>
+  <p:clrMapOvr>
+    <a:masterClrMapping/>
+  </p:clrMapOvr>
+</p:sld>
+</file>
+
+<file path=ppt/slides/slide15.xml><?xml version="1.0" encoding="utf-8"?>
+<p:sld xmlns:a="http://schemas.openxmlformats.org/drawingml/2006/main" xmlns:r="http://schemas.openxmlformats.org/officeDocument/2006/relationships" xmlns:p="http://schemas.openxmlformats.org/presentationml/2006/main">
+  <p:cSld>
+    <p:spTree>
+      <p:nvGrpSpPr>
+        <p:cNvPr id="1" name=""/>
+        <p:cNvGrpSpPr/>
+        <p:nvPr/>
+      </p:nvGrpSpPr>
+      <p:grpSpPr>
+        <a:xfrm>
+          <a:off x="0" y="0"/>
+          <a:ext cx="0" cy="0"/>
+          <a:chOff x="0" y="0"/>
+          <a:chExt cx="0" cy="0"/>
+        </a:xfrm>
+      </p:grpSpPr>
+      <p:sp>
+        <p:nvSpPr>
+          <p:cNvPr id="2" name="Title 1">
+            <a:extLst>
+              <a:ext uri="{FF2B5EF4-FFF2-40B4-BE49-F238E27FC236}">
                 <a16:creationId xmlns:a16="http://schemas.microsoft.com/office/drawing/2014/main" id="{F40BAA40-E70D-6D78-30EC-AF5C736577EC}"/>
               </a:ext>
             </a:extLst>
@@ -4211,7 +4638,7 @@
 </p:sld>
 </file>
 
-<file path=ppt/slides/slide15.xml><?xml version="1.0" encoding="utf-8"?>
+<file path=ppt/slides/slide16.xml><?xml version="1.0" encoding="utf-8"?>
 <p:sld xmlns:a="http://schemas.openxmlformats.org/drawingml/2006/main" xmlns:r="http://schemas.openxmlformats.org/officeDocument/2006/relationships" xmlns:p="http://schemas.openxmlformats.org/presentationml/2006/main">
   <p:cSld>
     <p:spTree>

--- a/Design_Doc_MyStudies.pptx
+++ b/Design_Doc_MyStudies.pptx
@@ -4009,7 +4009,7 @@
             <p:ph idx="1"/>
             <p:extLst>
               <p:ext uri="{D42A27DB-BD31-4B8C-83A1-F6EECF244321}">
-                <p14:modId xmlns:p14="http://schemas.microsoft.com/office/powerpoint/2010/main" val="2216783746"/>
+                <p14:modId xmlns:p14="http://schemas.microsoft.com/office/powerpoint/2010/main" val="1737696002"/>
               </p:ext>
             </p:extLst>
           </p:nvPr>
@@ -4324,15 +4324,15 @@
                     <a:p>
                       <a:r>
                         <a:rPr lang="en-US" dirty="0"/>
-                        <a:t>Final Draft </a:t>
+                        <a:t>Final </a:t>
                       </a:r>
                       <a:r>
-                        <a:rPr lang="en-US" dirty="0" err="1"/>
-                        <a:t>Presenation</a:t>
+                        <a:rPr lang="en-US"/>
+                        <a:t>Draft Presentation </a:t>
                       </a:r>
                       <a:r>
                         <a:rPr lang="en-US" dirty="0"/>
-                        <a:t> Slides</a:t>
+                        <a:t>Slides</a:t>
                       </a:r>
                     </a:p>
                   </a:txBody>
